--- a/2025/2025-12-19-AI-Updates.pptx
+++ b/2025/2025-12-19-AI-Updates.pptx
@@ -5,7 +5,7 @@
     <p:sldMasterId id="2147483661" r:id="rId1"/>
   </p:sldMasterIdLst>
   <p:notesMasterIdLst>
-    <p:notesMasterId r:id="rId30"/>
+    <p:notesMasterId r:id="rId31"/>
   </p:notesMasterIdLst>
   <p:sldIdLst>
     <p:sldId id="256" r:id="rId2"/>
@@ -36,16 +36,17 @@
     <p:sldId id="281" r:id="rId27"/>
     <p:sldId id="282" r:id="rId28"/>
     <p:sldId id="283" r:id="rId29"/>
+    <p:sldId id="284" r:id="rId30"/>
   </p:sldIdLst>
   <p:sldSz cx="9144000" cy="5143500" type="screen16x9"/>
   <p:notesSz cx="6858000" cy="9144000"/>
   <p:embeddedFontLst>
     <p:embeddedFont>
       <p:font typeface="Roboto Mono" pitchFamily="49" charset="0"/>
-      <p:regular r:id="rId31"/>
-      <p:bold r:id="rId32"/>
-      <p:italic r:id="rId33"/>
-      <p:boldItalic r:id="rId34"/>
+      <p:regular r:id="rId32"/>
+      <p:bold r:id="rId33"/>
+      <p:italic r:id="rId34"/>
+      <p:boldItalic r:id="rId35"/>
     </p:embeddedFont>
   </p:embeddedFontLst>
   <p:defaultTextStyle>
@@ -2450,7 +2451,7 @@
   <p:cSld>
     <p:spTree>
       <p:nvGrpSpPr>
-        <p:cNvPr id="1" name="Shape 289"/>
+        <p:cNvPr id="1" name="Shape 291"/>
         <p:cNvGrpSpPr/>
         <p:nvPr/>
       </p:nvGrpSpPr>
@@ -2464,7 +2465,7 @@
       </p:grpSpPr>
       <p:sp>
         <p:nvSpPr>
-          <p:cNvPr id="290" name="Google Shape;290;g3b12ff3a6ed_0_0:notes"/>
+          <p:cNvPr id="292" name="Google Shape;292;g3b12ff3a6ed_0_0:notes"/>
           <p:cNvSpPr>
             <a:spLocks noGrp="1" noRot="1" noChangeAspect="1"/>
           </p:cNvSpPr>
@@ -2515,7 +2516,7 @@
       </p:sp>
       <p:sp>
         <p:nvSpPr>
-          <p:cNvPr id="291" name="Google Shape;291;g3b12ff3a6ed_0_0:notes"/>
+          <p:cNvPr id="293" name="Google Shape;293;g3b12ff3a6ed_0_0:notes"/>
           <p:cNvSpPr txBox="1">
             <a:spLocks noGrp="1"/>
           </p:cNvSpPr>
@@ -2572,7 +2573,7 @@
   <p:cSld>
     <p:spTree>
       <p:nvGrpSpPr>
-        <p:cNvPr id="1" name="Shape 298"/>
+        <p:cNvPr id="1" name="Shape 300"/>
         <p:cNvGrpSpPr/>
         <p:nvPr/>
       </p:nvGrpSpPr>
@@ -2586,7 +2587,7 @@
       </p:grpSpPr>
       <p:sp>
         <p:nvSpPr>
-          <p:cNvPr id="299" name="Google Shape;299;g3b068ec7520_0_12:notes"/>
+          <p:cNvPr id="301" name="Google Shape;301;g3b068ec7520_0_12:notes"/>
           <p:cNvSpPr>
             <a:spLocks noGrp="1" noRot="1" noChangeAspect="1"/>
           </p:cNvSpPr>
@@ -2637,7 +2638,7 @@
       </p:sp>
       <p:sp>
         <p:nvSpPr>
-          <p:cNvPr id="300" name="Google Shape;300;g3b068ec7520_0_12:notes"/>
+          <p:cNvPr id="302" name="Google Shape;302;g3b068ec7520_0_12:notes"/>
           <p:cNvSpPr txBox="1">
             <a:spLocks noGrp="1"/>
           </p:cNvSpPr>
@@ -2694,7 +2695,7 @@
   <p:cSld>
     <p:spTree>
       <p:nvGrpSpPr>
-        <p:cNvPr id="1" name="Shape 305"/>
+        <p:cNvPr id="1" name="Shape 307"/>
         <p:cNvGrpSpPr/>
         <p:nvPr/>
       </p:nvGrpSpPr>
@@ -2708,7 +2709,7 @@
       </p:grpSpPr>
       <p:sp>
         <p:nvSpPr>
-          <p:cNvPr id="306" name="Google Shape;306;g3b059de6c60_0_9:notes"/>
+          <p:cNvPr id="308" name="Google Shape;308;g3b059de6c60_0_9:notes"/>
           <p:cNvSpPr>
             <a:spLocks noGrp="1" noRot="1" noChangeAspect="1"/>
           </p:cNvSpPr>
@@ -2759,7 +2760,7 @@
       </p:sp>
       <p:sp>
         <p:nvSpPr>
-          <p:cNvPr id="307" name="Google Shape;307;g3b059de6c60_0_9:notes"/>
+          <p:cNvPr id="309" name="Google Shape;309;g3b059de6c60_0_9:notes"/>
           <p:cNvSpPr txBox="1">
             <a:spLocks noGrp="1"/>
           </p:cNvSpPr>
@@ -2816,7 +2817,7 @@
   <p:cSld>
     <p:spTree>
       <p:nvGrpSpPr>
-        <p:cNvPr id="1" name="Shape 313"/>
+        <p:cNvPr id="1" name="Shape 315"/>
         <p:cNvGrpSpPr/>
         <p:nvPr/>
       </p:nvGrpSpPr>
@@ -2830,7 +2831,7 @@
       </p:grpSpPr>
       <p:sp>
         <p:nvSpPr>
-          <p:cNvPr id="314" name="Google Shape;314;g3b059de6c60_0_17:notes"/>
+          <p:cNvPr id="316" name="Google Shape;316;g3b059de6c60_0_17:notes"/>
           <p:cNvSpPr>
             <a:spLocks noGrp="1" noRot="1" noChangeAspect="1"/>
           </p:cNvSpPr>
@@ -2881,7 +2882,7 @@
       </p:sp>
       <p:sp>
         <p:nvSpPr>
-          <p:cNvPr id="315" name="Google Shape;315;g3b059de6c60_0_17:notes"/>
+          <p:cNvPr id="317" name="Google Shape;317;g3b059de6c60_0_17:notes"/>
           <p:cNvSpPr txBox="1">
             <a:spLocks noGrp="1"/>
           </p:cNvSpPr>
@@ -2938,7 +2939,7 @@
   <p:cSld>
     <p:spTree>
       <p:nvGrpSpPr>
-        <p:cNvPr id="1" name="Shape 330"/>
+        <p:cNvPr id="1" name="Shape 332"/>
         <p:cNvGrpSpPr/>
         <p:nvPr/>
       </p:nvGrpSpPr>
@@ -2952,7 +2953,7 @@
       </p:grpSpPr>
       <p:sp>
         <p:nvSpPr>
-          <p:cNvPr id="331" name="Google Shape;331;g3b1ce90df75_0_0:notes"/>
+          <p:cNvPr id="333" name="Google Shape;333;g3b1ce90df75_0_0:notes"/>
           <p:cNvSpPr>
             <a:spLocks noGrp="1" noRot="1" noChangeAspect="1"/>
           </p:cNvSpPr>
@@ -3003,7 +3004,7 @@
       </p:sp>
       <p:sp>
         <p:nvSpPr>
-          <p:cNvPr id="332" name="Google Shape;332;g3b1ce90df75_0_0:notes"/>
+          <p:cNvPr id="334" name="Google Shape;334;g3b1ce90df75_0_0:notes"/>
           <p:cNvSpPr txBox="1">
             <a:spLocks noGrp="1"/>
           </p:cNvSpPr>
@@ -3060,7 +3061,7 @@
   <p:cSld>
     <p:spTree>
       <p:nvGrpSpPr>
-        <p:cNvPr id="1" name="Shape 341"/>
+        <p:cNvPr id="1" name="Shape 345"/>
         <p:cNvGrpSpPr/>
         <p:nvPr/>
       </p:nvGrpSpPr>
@@ -3074,7 +3075,7 @@
       </p:grpSpPr>
       <p:sp>
         <p:nvSpPr>
-          <p:cNvPr id="342" name="Google Shape;342;p23:notes"/>
+          <p:cNvPr id="346" name="Google Shape;346;g3b1d34333d8_0_0:notes"/>
           <p:cNvSpPr>
             <a:spLocks noGrp="1" noRot="1" noChangeAspect="1"/>
           </p:cNvSpPr>
@@ -3125,7 +3126,7 @@
       </p:sp>
       <p:sp>
         <p:nvSpPr>
-          <p:cNvPr id="343" name="Google Shape;343;p23:notes"/>
+          <p:cNvPr id="347" name="Google Shape;347;g3b1d34333d8_0_0:notes"/>
           <p:cNvSpPr txBox="1">
             <a:spLocks noGrp="1"/>
           </p:cNvSpPr>
@@ -3182,7 +3183,7 @@
   <p:cSld>
     <p:spTree>
       <p:nvGrpSpPr>
-        <p:cNvPr id="1" name="Shape 351"/>
+        <p:cNvPr id="1" name="Shape 356"/>
         <p:cNvGrpSpPr/>
         <p:nvPr/>
       </p:nvGrpSpPr>
@@ -3196,7 +3197,7 @@
       </p:grpSpPr>
       <p:sp>
         <p:nvSpPr>
-          <p:cNvPr id="352" name="Google Shape;352;p24:notes"/>
+          <p:cNvPr id="357" name="Google Shape;357;p23:notes"/>
           <p:cNvSpPr>
             <a:spLocks noGrp="1" noRot="1" noChangeAspect="1"/>
           </p:cNvSpPr>
@@ -3247,7 +3248,7 @@
       </p:sp>
       <p:sp>
         <p:nvSpPr>
-          <p:cNvPr id="353" name="Google Shape;353;p24:notes"/>
+          <p:cNvPr id="358" name="Google Shape;358;p23:notes"/>
           <p:cNvSpPr txBox="1">
             <a:spLocks noGrp="1"/>
           </p:cNvSpPr>
@@ -3304,7 +3305,7 @@
   <p:cSld>
     <p:spTree>
       <p:nvGrpSpPr>
-        <p:cNvPr id="1" name="Shape 361"/>
+        <p:cNvPr id="1" name="Shape 366"/>
         <p:cNvGrpSpPr/>
         <p:nvPr/>
       </p:nvGrpSpPr>
@@ -3318,7 +3319,129 @@
       </p:grpSpPr>
       <p:sp>
         <p:nvSpPr>
-          <p:cNvPr id="362" name="Google Shape;362;p25:notes"/>
+          <p:cNvPr id="367" name="Google Shape;367;p24:notes"/>
+          <p:cNvSpPr>
+            <a:spLocks noGrp="1" noRot="1" noChangeAspect="1"/>
+          </p:cNvSpPr>
+          <p:nvPr>
+            <p:ph type="sldImg" idx="2"/>
+          </p:nvPr>
+        </p:nvSpPr>
+        <p:spPr>
+          <a:xfrm>
+            <a:off x="381000" y="685800"/>
+            <a:ext cx="6096000" cy="3429000"/>
+          </a:xfrm>
+          <a:custGeom>
+            <a:avLst/>
+            <a:gdLst/>
+            <a:ahLst/>
+            <a:cxnLst/>
+            <a:rect l="l" t="t" r="r" b="b"/>
+            <a:pathLst>
+              <a:path w="120000" h="120000" extrusionOk="0">
+                <a:moveTo>
+                  <a:pt x="0" y="0"/>
+                </a:moveTo>
+                <a:lnTo>
+                  <a:pt x="120000" y="0"/>
+                </a:lnTo>
+                <a:lnTo>
+                  <a:pt x="120000" y="120000"/>
+                </a:lnTo>
+                <a:lnTo>
+                  <a:pt x="0" y="120000"/>
+                </a:lnTo>
+                <a:close/>
+              </a:path>
+            </a:pathLst>
+          </a:custGeom>
+          <a:noFill/>
+          <a:ln w="9525" cap="flat" cmpd="sng">
+            <a:solidFill>
+              <a:srgbClr val="000000"/>
+            </a:solidFill>
+            <a:prstDash val="solid"/>
+            <a:round/>
+            <a:headEnd type="none" w="sm" len="sm"/>
+            <a:tailEnd type="none" w="sm" len="sm"/>
+          </a:ln>
+        </p:spPr>
+      </p:sp>
+      <p:sp>
+        <p:nvSpPr>
+          <p:cNvPr id="368" name="Google Shape;368;p24:notes"/>
+          <p:cNvSpPr txBox="1">
+            <a:spLocks noGrp="1"/>
+          </p:cNvSpPr>
+          <p:nvPr>
+            <p:ph type="body" idx="1"/>
+          </p:nvPr>
+        </p:nvSpPr>
+        <p:spPr>
+          <a:xfrm>
+            <a:off x="685800" y="4343400"/>
+            <a:ext cx="5486400" cy="4114800"/>
+          </a:xfrm>
+          <a:prstGeom prst="rect">
+            <a:avLst/>
+          </a:prstGeom>
+          <a:noFill/>
+          <a:ln>
+            <a:noFill/>
+          </a:ln>
+        </p:spPr>
+        <p:txBody>
+          <a:bodyPr spcFirstLastPara="1" wrap="square" lIns="91425" tIns="91425" rIns="91425" bIns="91425" anchor="t" anchorCtr="0">
+            <a:noAutofit/>
+          </a:bodyPr>
+          <a:lstStyle/>
+          <a:p>
+            <a:pPr marL="0" lvl="0" indent="0" algn="l" rtl="0">
+              <a:lnSpc>
+                <a:spcPct val="100000"/>
+              </a:lnSpc>
+              <a:spcBef>
+                <a:spcPts val="0"/>
+              </a:spcBef>
+              <a:spcAft>
+                <a:spcPts val="0"/>
+              </a:spcAft>
+              <a:buSzPts val="1100"/>
+              <a:buNone/>
+            </a:pPr>
+            <a:endParaRPr/>
+          </a:p>
+        </p:txBody>
+      </p:sp>
+    </p:spTree>
+  </p:cSld>
+  <p:clrMapOvr>
+    <a:masterClrMapping/>
+  </p:clrMapOvr>
+</p:notes>
+</file>
+
+<file path=ppt/notesSlides/notesSlide29.xml><?xml version="1.0" encoding="utf-8"?>
+<p:notes xmlns:a="http://schemas.openxmlformats.org/drawingml/2006/main" xmlns:r="http://schemas.openxmlformats.org/officeDocument/2006/relationships" xmlns:p="http://schemas.openxmlformats.org/presentationml/2006/main" showMasterSp="0" showMasterPhAnim="0">
+  <p:cSld>
+    <p:spTree>
+      <p:nvGrpSpPr>
+        <p:cNvPr id="1" name="Shape 376"/>
+        <p:cNvGrpSpPr/>
+        <p:nvPr/>
+      </p:nvGrpSpPr>
+      <p:grpSpPr>
+        <a:xfrm>
+          <a:off x="0" y="0"/>
+          <a:ext cx="0" cy="0"/>
+          <a:chOff x="0" y="0"/>
+          <a:chExt cx="0" cy="0"/>
+        </a:xfrm>
+      </p:grpSpPr>
+      <p:sp>
+        <p:nvSpPr>
+          <p:cNvPr id="377" name="Google Shape;377;p25:notes"/>
           <p:cNvSpPr>
             <a:spLocks noGrp="1" noRot="1" noChangeAspect="1"/>
           </p:cNvSpPr>
@@ -3369,7 +3492,7 @@
       </p:sp>
       <p:sp>
         <p:nvSpPr>
-          <p:cNvPr id="363" name="Google Shape;363;p25:notes"/>
+          <p:cNvPr id="378" name="Google Shape;378;p25:notes"/>
           <p:cNvSpPr txBox="1">
             <a:spLocks noGrp="1"/>
           </p:cNvSpPr>
@@ -26865,7 +26988,7 @@
             <a:tbl>
               <a:tblPr>
                 <a:noFill/>
-                <a:tableStyleId>{1EAC8BEB-5449-43B5-944E-6B83DF5F5D4C}</a:tableStyleId>
+                <a:tableStyleId>{60EB8DAD-0D6C-425B-A878-7202ED89955A}</a:tableStyleId>
               </a:tblPr>
               <a:tblGrid>
                 <a:gridCol w="1847850">
@@ -31333,7 +31456,7 @@
             <a:tbl>
               <a:tblPr>
                 <a:noFill/>
-                <a:tableStyleId>{1EAC8BEB-5449-43B5-944E-6B83DF5F5D4C}</a:tableStyleId>
+                <a:tableStyleId>{60EB8DAD-0D6C-425B-A878-7202ED89955A}</a:tableStyleId>
               </a:tblPr>
               <a:tblGrid>
                 <a:gridCol w="1847850">
@@ -36071,8 +36194,8 @@
         </p:nvSpPr>
         <p:spPr>
           <a:xfrm>
-            <a:off x="144525" y="413138"/>
-            <a:ext cx="4347900" cy="3666300"/>
+            <a:off x="144525" y="413150"/>
+            <a:ext cx="5350500" cy="3297000"/>
           </a:xfrm>
           <a:prstGeom prst="rect">
             <a:avLst/>
@@ -36375,8 +36498,8 @@
         </p:nvSpPr>
         <p:spPr>
           <a:xfrm>
-            <a:off x="4841700" y="1309650"/>
-            <a:ext cx="4065900" cy="1354500"/>
+            <a:off x="5676250" y="1309650"/>
+            <a:ext cx="2936700" cy="1662300"/>
           </a:xfrm>
           <a:prstGeom prst="rect">
             <a:avLst/>
@@ -36471,6 +36594,203 @@
           </a:p>
         </p:txBody>
       </p:sp>
+      <p:sp>
+        <p:nvSpPr>
+          <p:cNvPr id="289" name="Google Shape;289;p34"/>
+          <p:cNvSpPr txBox="1"/>
+          <p:nvPr/>
+        </p:nvSpPr>
+        <p:spPr>
+          <a:xfrm>
+            <a:off x="144525" y="3773657"/>
+            <a:ext cx="5350500" cy="1311300"/>
+          </a:xfrm>
+          <a:prstGeom prst="rect">
+            <a:avLst/>
+          </a:prstGeom>
+          <a:solidFill>
+            <a:srgbClr val="FFF2CC"/>
+          </a:solidFill>
+          <a:ln w="9525" cap="flat" cmpd="sng">
+            <a:solidFill>
+              <a:srgbClr val="FF0000"/>
+            </a:solidFill>
+            <a:prstDash val="solid"/>
+            <a:round/>
+            <a:headEnd type="none" w="sm" len="sm"/>
+            <a:tailEnd type="none" w="sm" len="sm"/>
+          </a:ln>
+        </p:spPr>
+        <p:txBody>
+          <a:bodyPr spcFirstLastPara="1" wrap="square" lIns="9125" tIns="9125" rIns="9125" bIns="9125" anchor="t" anchorCtr="0">
+            <a:spAutoFit/>
+          </a:bodyPr>
+          <a:lstStyle/>
+          <a:p>
+            <a:pPr marL="171450" marR="0" lvl="0" indent="-133350" algn="l" rtl="0">
+              <a:lnSpc>
+                <a:spcPct val="100000"/>
+              </a:lnSpc>
+              <a:spcBef>
+                <a:spcPts val="0"/>
+              </a:spcBef>
+              <a:spcAft>
+                <a:spcPts val="0"/>
+              </a:spcAft>
+              <a:buSzPts val="1200"/>
+              <a:buFont typeface="Calibri"/>
+              <a:buChar char="●"/>
+            </a:pPr>
+            <a:r>
+              <a:rPr lang="en" sz="1200">
+                <a:latin typeface="Calibri"/>
+                <a:ea typeface="Calibri"/>
+                <a:cs typeface="Calibri"/>
+                <a:sym typeface="Calibri"/>
+              </a:rPr>
+              <a:t>Claude Code can now directly control the browser through the /chrome command</a:t>
+            </a:r>
+            <a:endParaRPr sz="1200">
+              <a:latin typeface="Calibri"/>
+              <a:ea typeface="Calibri"/>
+              <a:cs typeface="Calibri"/>
+              <a:sym typeface="Calibri"/>
+            </a:endParaRPr>
+          </a:p>
+          <a:p>
+            <a:pPr marL="171450" marR="0" lvl="0" indent="-133350" algn="l" rtl="0">
+              <a:lnSpc>
+                <a:spcPct val="100000"/>
+              </a:lnSpc>
+              <a:spcBef>
+                <a:spcPts val="0"/>
+              </a:spcBef>
+              <a:spcAft>
+                <a:spcPts val="0"/>
+              </a:spcAft>
+              <a:buSzPts val="1200"/>
+              <a:buFont typeface="Calibri"/>
+              <a:buChar char="●"/>
+            </a:pPr>
+            <a:r>
+              <a:rPr lang="en" sz="1200">
+                <a:latin typeface="Calibri"/>
+                <a:ea typeface="Calibri"/>
+                <a:cs typeface="Calibri"/>
+                <a:sym typeface="Calibri"/>
+              </a:rPr>
+              <a:t>This allows Claude Code to test and validate code directly in Chrome</a:t>
+            </a:r>
+            <a:endParaRPr sz="1200">
+              <a:latin typeface="Calibri"/>
+              <a:ea typeface="Calibri"/>
+              <a:cs typeface="Calibri"/>
+              <a:sym typeface="Calibri"/>
+            </a:endParaRPr>
+          </a:p>
+          <a:p>
+            <a:pPr marL="171450" marR="0" lvl="0" indent="-133350" algn="l" rtl="0">
+              <a:lnSpc>
+                <a:spcPct val="100000"/>
+              </a:lnSpc>
+              <a:spcBef>
+                <a:spcPts val="0"/>
+              </a:spcBef>
+              <a:spcAft>
+                <a:spcPts val="0"/>
+              </a:spcAft>
+              <a:buSzPts val="1200"/>
+              <a:buFont typeface="Calibri"/>
+              <a:buChar char="●"/>
+            </a:pPr>
+            <a:r>
+              <a:rPr lang="en" sz="1200">
+                <a:latin typeface="Calibri"/>
+                <a:ea typeface="Calibri"/>
+                <a:cs typeface="Calibri"/>
+                <a:sym typeface="Calibri"/>
+              </a:rPr>
+              <a:t>Claude Code can open Chrome, navigate to applications, click buttons, fill forms, monitor network requests in real-time, capture console errors as they happen, and take screenshots at any viewport size</a:t>
+            </a:r>
+            <a:endParaRPr sz="1200">
+              <a:latin typeface="Calibri"/>
+              <a:ea typeface="Calibri"/>
+              <a:cs typeface="Calibri"/>
+              <a:sym typeface="Calibri"/>
+            </a:endParaRPr>
+          </a:p>
+          <a:p>
+            <a:pPr marL="171450" marR="0" lvl="0" indent="-133350" algn="l" rtl="0">
+              <a:lnSpc>
+                <a:spcPct val="100000"/>
+              </a:lnSpc>
+              <a:spcBef>
+                <a:spcPts val="0"/>
+              </a:spcBef>
+              <a:spcAft>
+                <a:spcPts val="0"/>
+              </a:spcAft>
+              <a:buSzPts val="1200"/>
+              <a:buFont typeface="Calibri"/>
+              <a:buChar char="●"/>
+            </a:pPr>
+            <a:r>
+              <a:rPr lang="en" sz="1200">
+                <a:latin typeface="Calibri"/>
+                <a:ea typeface="Calibri"/>
+                <a:cs typeface="Calibri"/>
+                <a:sym typeface="Calibri"/>
+              </a:rPr>
+              <a:t>The system uses the Chrome DevTools Protocol - the same API that Chrome DevTools itself uses internally - to gain direct access to the browser</a:t>
+            </a:r>
+            <a:endParaRPr sz="1200">
+              <a:latin typeface="Calibri"/>
+              <a:ea typeface="Calibri"/>
+              <a:cs typeface="Calibri"/>
+              <a:sym typeface="Calibri"/>
+            </a:endParaRPr>
+          </a:p>
+        </p:txBody>
+      </p:sp>
+      <p:pic>
+        <p:nvPicPr>
+          <p:cNvPr id="290" name="Google Shape;290;p34"/>
+          <p:cNvPicPr preferRelativeResize="0"/>
+          <p:nvPr/>
+        </p:nvPicPr>
+        <p:blipFill>
+          <a:blip r:embed="rId4" cstate="email">
+            <a:alphaModFix/>
+            <a:extLst>
+              <a:ext uri="{28A0092B-C50C-407E-A947-70E740481C1C}">
+                <a14:useLocalDpi xmlns:a14="http://schemas.microsoft.com/office/drawing/2010/main"/>
+              </a:ext>
+            </a:extLst>
+          </a:blip>
+          <a:stretch>
+            <a:fillRect/>
+          </a:stretch>
+        </p:blipFill>
+        <p:spPr>
+          <a:xfrm>
+            <a:off x="5676250" y="3773650"/>
+            <a:ext cx="1634234" cy="1311300"/>
+          </a:xfrm>
+          <a:prstGeom prst="rect">
+            <a:avLst/>
+          </a:prstGeom>
+          <a:noFill/>
+          <a:ln w="9525" cap="flat" cmpd="sng">
+            <a:solidFill>
+              <a:srgbClr val="FF0000"/>
+            </a:solidFill>
+            <a:prstDash val="solid"/>
+            <a:round/>
+            <a:headEnd type="none" w="sm" len="sm"/>
+            <a:tailEnd type="none" w="sm" len="sm"/>
+          </a:ln>
+        </p:spPr>
+      </p:pic>
     </p:spTree>
   </p:cSld>
   <p:clrMapOvr>
@@ -36484,7 +36804,7 @@
   <p:cSld>
     <p:spTree>
       <p:nvGrpSpPr>
-        <p:cNvPr id="1" name="Shape 292"/>
+        <p:cNvPr id="1" name="Shape 294"/>
         <p:cNvGrpSpPr/>
         <p:nvPr/>
       </p:nvGrpSpPr>
@@ -36498,7 +36818,7 @@
       </p:grpSpPr>
       <p:sp>
         <p:nvSpPr>
-          <p:cNvPr id="293" name="Google Shape;293;p35"/>
+          <p:cNvPr id="295" name="Google Shape;295;p35"/>
           <p:cNvSpPr txBox="1"/>
           <p:nvPr/>
         </p:nvSpPr>
@@ -36564,7 +36884,7 @@
       </p:sp>
       <p:sp>
         <p:nvSpPr>
-          <p:cNvPr id="294" name="Google Shape;294;p35"/>
+          <p:cNvPr id="296" name="Google Shape;296;p35"/>
           <p:cNvSpPr txBox="1"/>
           <p:nvPr/>
         </p:nvSpPr>
@@ -36690,7 +37010,7 @@
       </p:sp>
       <p:sp>
         <p:nvSpPr>
-          <p:cNvPr id="295" name="Google Shape;295;p35"/>
+          <p:cNvPr id="297" name="Google Shape;297;p35"/>
           <p:cNvSpPr txBox="1"/>
           <p:nvPr/>
         </p:nvSpPr>
@@ -36945,7 +37265,7 @@
       </p:sp>
       <p:pic>
         <p:nvPicPr>
-          <p:cNvPr id="296" name="Google Shape;296;p35"/>
+          <p:cNvPr id="298" name="Google Shape;298;p35"/>
           <p:cNvPicPr preferRelativeResize="0"/>
           <p:nvPr/>
         </p:nvPicPr>
@@ -36984,7 +37304,7 @@
       </p:pic>
       <p:pic>
         <p:nvPicPr>
-          <p:cNvPr id="297" name="Google Shape;297;p35"/>
+          <p:cNvPr id="299" name="Google Shape;299;p35"/>
           <p:cNvPicPr preferRelativeResize="0"/>
           <p:nvPr/>
         </p:nvPicPr>
@@ -37034,7 +37354,7 @@
   <p:cSld>
     <p:spTree>
       <p:nvGrpSpPr>
-        <p:cNvPr id="1" name="Shape 301"/>
+        <p:cNvPr id="1" name="Shape 303"/>
         <p:cNvGrpSpPr/>
         <p:nvPr/>
       </p:nvGrpSpPr>
@@ -37048,7 +37368,7 @@
       </p:grpSpPr>
       <p:sp>
         <p:nvSpPr>
-          <p:cNvPr id="302" name="Google Shape;302;p36"/>
+          <p:cNvPr id="304" name="Google Shape;304;p36"/>
           <p:cNvSpPr txBox="1"/>
           <p:nvPr/>
         </p:nvSpPr>
@@ -37114,7 +37434,7 @@
       </p:sp>
       <p:sp>
         <p:nvSpPr>
-          <p:cNvPr id="303" name="Google Shape;303;p36"/>
+          <p:cNvPr id="305" name="Google Shape;305;p36"/>
           <p:cNvSpPr txBox="1"/>
           <p:nvPr/>
         </p:nvSpPr>
@@ -37426,7 +37746,7 @@
       </p:sp>
       <p:pic>
         <p:nvPicPr>
-          <p:cNvPr id="304" name="Google Shape;304;p36"/>
+          <p:cNvPr id="306" name="Google Shape;306;p36"/>
           <p:cNvPicPr preferRelativeResize="0"/>
           <p:nvPr/>
         </p:nvPicPr>
@@ -37476,7 +37796,7 @@
   <p:cSld>
     <p:spTree>
       <p:nvGrpSpPr>
-        <p:cNvPr id="1" name="Shape 308"/>
+        <p:cNvPr id="1" name="Shape 310"/>
         <p:cNvGrpSpPr/>
         <p:nvPr/>
       </p:nvGrpSpPr>
@@ -37490,7 +37810,7 @@
       </p:grpSpPr>
       <p:sp>
         <p:nvSpPr>
-          <p:cNvPr id="309" name="Google Shape;309;p37"/>
+          <p:cNvPr id="311" name="Google Shape;311;p37"/>
           <p:cNvSpPr txBox="1"/>
           <p:nvPr/>
         </p:nvSpPr>
@@ -37556,7 +37876,7 @@
       </p:sp>
       <p:sp>
         <p:nvSpPr>
-          <p:cNvPr id="310" name="Google Shape;310;p37"/>
+          <p:cNvPr id="312" name="Google Shape;312;p37"/>
           <p:cNvSpPr txBox="1"/>
           <p:nvPr/>
         </p:nvSpPr>
@@ -37750,7 +38070,7 @@
       </p:sp>
       <p:pic>
         <p:nvPicPr>
-          <p:cNvPr id="311" name="Google Shape;311;p37"/>
+          <p:cNvPr id="313" name="Google Shape;313;p37"/>
           <p:cNvPicPr preferRelativeResize="0"/>
           <p:nvPr/>
         </p:nvPicPr>
@@ -37788,7 +38108,7 @@
       </p:pic>
       <p:sp>
         <p:nvSpPr>
-          <p:cNvPr id="312" name="Google Shape;312;p37"/>
+          <p:cNvPr id="314" name="Google Shape;314;p37"/>
           <p:cNvSpPr txBox="1"/>
           <p:nvPr/>
         </p:nvSpPr>
@@ -38001,7 +38321,7 @@
   <p:cSld>
     <p:spTree>
       <p:nvGrpSpPr>
-        <p:cNvPr id="1" name="Shape 316"/>
+        <p:cNvPr id="1" name="Shape 318"/>
         <p:cNvGrpSpPr/>
         <p:nvPr/>
       </p:nvGrpSpPr>
@@ -38015,14 +38335,14 @@
       </p:grpSpPr>
       <p:sp>
         <p:nvSpPr>
-          <p:cNvPr id="317" name="Google Shape;317;p38"/>
+          <p:cNvPr id="319" name="Google Shape;319;p38"/>
           <p:cNvSpPr txBox="1"/>
           <p:nvPr/>
         </p:nvSpPr>
         <p:spPr>
           <a:xfrm>
-            <a:off x="55075" y="20375"/>
-            <a:ext cx="4034700" cy="326400"/>
+            <a:off x="92950" y="0"/>
+            <a:ext cx="1428600" cy="326400"/>
           </a:xfrm>
           <a:prstGeom prst="rect">
             <a:avLst/>
@@ -38081,13 +38401,13 @@
       </p:sp>
       <p:sp>
         <p:nvSpPr>
-          <p:cNvPr id="318" name="Google Shape;318;p38"/>
+          <p:cNvPr id="320" name="Google Shape;320;p38"/>
           <p:cNvSpPr txBox="1"/>
           <p:nvPr/>
         </p:nvSpPr>
         <p:spPr>
           <a:xfrm>
-            <a:off x="3413100" y="2553375"/>
+            <a:off x="3669192" y="2282219"/>
             <a:ext cx="2317800" cy="757200"/>
           </a:xfrm>
           <a:prstGeom prst="rect">
@@ -38149,7 +38469,7 @@
       </p:sp>
       <p:sp>
         <p:nvSpPr>
-          <p:cNvPr id="319" name="Google Shape;319;p38"/>
+          <p:cNvPr id="321" name="Google Shape;321;p38"/>
           <p:cNvSpPr txBox="1"/>
           <p:nvPr/>
         </p:nvSpPr>
@@ -38217,7 +38537,7 @@
       </p:sp>
       <p:sp>
         <p:nvSpPr>
-          <p:cNvPr id="320" name="Google Shape;320;p38"/>
+          <p:cNvPr id="322" name="Google Shape;322;p38"/>
           <p:cNvSpPr txBox="1"/>
           <p:nvPr/>
         </p:nvSpPr>
@@ -38285,14 +38605,14 @@
       </p:sp>
       <p:sp>
         <p:nvSpPr>
-          <p:cNvPr id="321" name="Google Shape;321;p38"/>
+          <p:cNvPr id="323" name="Google Shape;323;p38"/>
           <p:cNvSpPr txBox="1"/>
           <p:nvPr/>
         </p:nvSpPr>
         <p:spPr>
           <a:xfrm>
-            <a:off x="179050" y="1997825"/>
-            <a:ext cx="2317800" cy="387900"/>
+            <a:off x="92950" y="1896497"/>
+            <a:ext cx="2857500" cy="757200"/>
           </a:xfrm>
           <a:prstGeom prst="rect">
             <a:avLst/>
@@ -38337,7 +38657,7 @@
                 <a:cs typeface="Calibri"/>
                 <a:sym typeface="Calibri"/>
               </a:rPr>
-              <a:t>Adobe integrated Photoshop Express and Acrobat into ChatGPT</a:t>
+              <a:t>ChatGPT becoming a primary entry point for how people interact with the internet. For example Adobe Photoshop, Express, and Acrobat in ChatGPT</a:t>
             </a:r>
             <a:endParaRPr sz="1100" b="1">
               <a:solidFill>
@@ -38353,7 +38673,7 @@
       </p:sp>
       <p:sp>
         <p:nvSpPr>
-          <p:cNvPr id="322" name="Google Shape;322;p38"/>
+          <p:cNvPr id="324" name="Google Shape;324;p38"/>
           <p:cNvSpPr txBox="1"/>
           <p:nvPr/>
         </p:nvSpPr>
@@ -38442,7 +38762,7 @@
       </p:sp>
       <p:sp>
         <p:nvSpPr>
-          <p:cNvPr id="323" name="Google Shape;323;p38"/>
+          <p:cNvPr id="325" name="Google Shape;325;p38"/>
           <p:cNvSpPr txBox="1"/>
           <p:nvPr/>
         </p:nvSpPr>
@@ -38507,7 +38827,7 @@
       </p:sp>
       <p:pic>
         <p:nvPicPr>
-          <p:cNvPr id="324" name="Google Shape;324;p38"/>
+          <p:cNvPr id="326" name="Google Shape;326;p38"/>
           <p:cNvPicPr preferRelativeResize="0"/>
           <p:nvPr/>
         </p:nvPicPr>
@@ -38546,7 +38866,7 @@
       </p:pic>
       <p:pic>
         <p:nvPicPr>
-          <p:cNvPr id="325" name="Google Shape;325;p38"/>
+          <p:cNvPr id="327" name="Google Shape;327;p38"/>
           <p:cNvPicPr preferRelativeResize="0"/>
           <p:nvPr/>
         </p:nvPicPr>
@@ -38579,7 +38899,7 @@
       </p:pic>
       <p:pic>
         <p:nvPicPr>
-          <p:cNvPr id="326" name="Google Shape;326;p38"/>
+          <p:cNvPr id="328" name="Google Shape;328;p38"/>
           <p:cNvPicPr preferRelativeResize="0"/>
           <p:nvPr/>
         </p:nvPicPr>
@@ -38613,7 +38933,7 @@
       </p:pic>
       <p:pic>
         <p:nvPicPr>
-          <p:cNvPr id="327" name="Google Shape;327;p38"/>
+          <p:cNvPr id="329" name="Google Shape;329;p38"/>
           <p:cNvPicPr preferRelativeResize="0"/>
           <p:nvPr/>
         </p:nvPicPr>
@@ -38645,7 +38965,7 @@
       </p:pic>
       <p:pic>
         <p:nvPicPr>
-          <p:cNvPr id="328" name="Google Shape;328;p38"/>
+          <p:cNvPr id="330" name="Google Shape;330;p38"/>
           <p:cNvPicPr preferRelativeResize="0"/>
           <p:nvPr/>
         </p:nvPicPr>
@@ -38664,7 +38984,7 @@
         </p:blipFill>
         <p:spPr>
           <a:xfrm>
-            <a:off x="3762338" y="327900"/>
+            <a:off x="4018430" y="56743"/>
             <a:ext cx="1619324" cy="2158617"/>
           </a:xfrm>
           <a:prstGeom prst="rect">
@@ -38678,7 +38998,7 @@
       </p:pic>
       <p:pic>
         <p:nvPicPr>
-          <p:cNvPr id="329" name="Google Shape;329;p38"/>
+          <p:cNvPr id="331" name="Google Shape;331;p38"/>
           <p:cNvPicPr preferRelativeResize="0"/>
           <p:nvPr/>
         </p:nvPicPr>
@@ -38697,7 +39017,7 @@
         </p:blipFill>
         <p:spPr>
           <a:xfrm>
-            <a:off x="135938" y="499175"/>
+            <a:off x="301644" y="499175"/>
             <a:ext cx="2404018" cy="1346250"/>
           </a:xfrm>
           <a:prstGeom prst="rect">
@@ -38722,7 +39042,7 @@
   <p:cSld>
     <p:spTree>
       <p:nvGrpSpPr>
-        <p:cNvPr id="1" name="Shape 333"/>
+        <p:cNvPr id="1" name="Shape 335"/>
         <p:cNvGrpSpPr/>
         <p:nvPr/>
       </p:nvGrpSpPr>
@@ -38736,7 +39056,7 @@
       </p:grpSpPr>
       <p:sp>
         <p:nvSpPr>
-          <p:cNvPr id="334" name="Google Shape;334;p39"/>
+          <p:cNvPr id="336" name="Google Shape;336;p39"/>
           <p:cNvSpPr txBox="1"/>
           <p:nvPr/>
         </p:nvSpPr>
@@ -38802,14 +39122,14 @@
       </p:sp>
       <p:sp>
         <p:nvSpPr>
-          <p:cNvPr id="335" name="Google Shape;335;p39"/>
+          <p:cNvPr id="337" name="Google Shape;337;p39"/>
           <p:cNvSpPr txBox="1"/>
           <p:nvPr/>
         </p:nvSpPr>
         <p:spPr>
           <a:xfrm>
-            <a:off x="111575" y="451483"/>
-            <a:ext cx="4336200" cy="1496100"/>
+            <a:off x="111575" y="393784"/>
+            <a:ext cx="4921800" cy="1218900"/>
           </a:xfrm>
           <a:prstGeom prst="rect">
             <a:avLst/>
@@ -38848,13 +39168,96 @@
               <a:buChar char="●"/>
             </a:pPr>
             <a:r>
+              <a:rPr lang="en" sz="1200" b="1">
+                <a:solidFill>
+                  <a:srgbClr val="FF0000"/>
+                </a:solidFill>
+                <a:latin typeface="Calibri"/>
+                <a:ea typeface="Calibri"/>
+                <a:cs typeface="Calibri"/>
+                <a:sym typeface="Calibri"/>
+              </a:rPr>
+              <a:t>Google DeepMind Interactions API (/interactions).</a:t>
+            </a:r>
+            <a:endParaRPr sz="1200" b="1">
+              <a:solidFill>
+                <a:srgbClr val="FF0000"/>
+              </a:solidFill>
+              <a:latin typeface="Calibri"/>
+              <a:ea typeface="Calibri"/>
+              <a:cs typeface="Calibri"/>
+              <a:sym typeface="Calibri"/>
+            </a:endParaRPr>
+          </a:p>
+          <a:p>
+            <a:pPr marL="171450" marR="0" lvl="0" indent="-133350" algn="l" rtl="0">
+              <a:lnSpc>
+                <a:spcPct val="100000"/>
+              </a:lnSpc>
+              <a:spcBef>
+                <a:spcPts val="0"/>
+              </a:spcBef>
+              <a:spcAft>
+                <a:spcPts val="0"/>
+              </a:spcAft>
+              <a:buSzPts val="1200"/>
+              <a:buFont typeface="Calibri"/>
+              <a:buChar char="●"/>
+            </a:pPr>
+            <a:r>
               <a:rPr lang="en" sz="1200">
                 <a:latin typeface="Calibri"/>
                 <a:ea typeface="Calibri"/>
                 <a:cs typeface="Calibri"/>
                 <a:sym typeface="Calibri"/>
               </a:rPr>
-              <a:t>Google DeepMind Interactions API (/interactions).</a:t>
+              <a:t>(Similar to OpenAI </a:t>
+            </a:r>
+            <a:r>
+              <a:rPr lang="en" sz="1200">
+                <a:solidFill>
+                  <a:schemeClr val="dk1"/>
+                </a:solidFill>
+                <a:latin typeface="Calibri"/>
+                <a:ea typeface="Calibri"/>
+                <a:cs typeface="Calibri"/>
+                <a:sym typeface="Calibri"/>
+              </a:rPr>
+              <a:t>Responses API)</a:t>
+            </a:r>
+            <a:endParaRPr sz="1200">
+              <a:solidFill>
+                <a:schemeClr val="dk1"/>
+              </a:solidFill>
+              <a:latin typeface="Calibri"/>
+              <a:ea typeface="Calibri"/>
+              <a:cs typeface="Calibri"/>
+              <a:sym typeface="Calibri"/>
+            </a:endParaRPr>
+          </a:p>
+          <a:p>
+            <a:pPr marL="171450" marR="0" lvl="0" indent="-133350" algn="l" rtl="0">
+              <a:lnSpc>
+                <a:spcPct val="100000"/>
+              </a:lnSpc>
+              <a:spcBef>
+                <a:spcPts val="0"/>
+              </a:spcBef>
+              <a:spcAft>
+                <a:spcPts val="0"/>
+              </a:spcAft>
+              <a:buSzPts val="1200"/>
+              <a:buFont typeface="Calibri"/>
+              <a:buChar char="●"/>
+            </a:pPr>
+            <a:r>
+              <a:rPr lang="en" sz="1200">
+                <a:latin typeface="Calibri"/>
+                <a:ea typeface="Calibri"/>
+                <a:cs typeface="Calibri"/>
+                <a:sym typeface="Calibri"/>
+              </a:rPr>
+              <a:t>Interactions API is a unified interface for interacting with Gemini models and agents that fundamentally shifts AI development from stateless request-response patterns to stateful, multi-turn workflows</a:t>
             </a:r>
             <a:endParaRPr sz="1200">
               <a:latin typeface="Calibri"/>
@@ -38864,92 +39267,61 @@
             </a:endParaRPr>
           </a:p>
           <a:p>
-            <a:pPr marL="171450" marR="0" lvl="0" indent="-133350" algn="l" rtl="0">
-              <a:lnSpc>
-                <a:spcPct val="100000"/>
-              </a:lnSpc>
-              <a:spcBef>
-                <a:spcPts val="0"/>
-              </a:spcBef>
-              <a:spcAft>
-                <a:spcPts val="0"/>
-              </a:spcAft>
-              <a:buSzPts val="1200"/>
+            <a:pPr marL="171450" marR="0" lvl="0" indent="-114300" algn="l" rtl="0">
+              <a:lnSpc>
+                <a:spcPct val="100000"/>
+              </a:lnSpc>
+              <a:spcBef>
+                <a:spcPts val="0"/>
+              </a:spcBef>
+              <a:spcAft>
+                <a:spcPts val="0"/>
+              </a:spcAft>
+              <a:buSzPts val="900"/>
               <a:buFont typeface="Calibri"/>
               <a:buChar char="●"/>
             </a:pPr>
             <a:r>
-              <a:rPr lang="en" sz="1200">
-                <a:latin typeface="Calibri"/>
-                <a:ea typeface="Calibri"/>
-                <a:cs typeface="Calibri"/>
-                <a:sym typeface="Calibri"/>
-              </a:rPr>
-              <a:t>While OpenAI began this shift back in March 2025 with its Responses API, Google’s entry signals its own efforts to advance the state-of-the-art. The Interactions API is not just a state management tool; it is a unified interface designed to treat LLMs less like text generators and more like remote operating systems.</a:t>
-            </a:r>
-            <a:endParaRPr sz="1200">
+              <a:rPr lang="en" sz="900" u="sng">
+                <a:solidFill>
+                  <a:schemeClr val="hlink"/>
+                </a:solidFill>
+                <a:latin typeface="Calibri"/>
+                <a:ea typeface="Calibri"/>
+                <a:cs typeface="Calibri"/>
+                <a:sym typeface="Calibri"/>
+                <a:hlinkClick r:id="rId3"/>
+              </a:rPr>
+              <a:t>https://venturebeat.com/infrastructure/why-googles-new-interactions-api-is-such-a-big-deal-for-ai-developers</a:t>
+            </a:r>
+            <a:r>
+              <a:rPr lang="en" sz="900">
+                <a:latin typeface="Calibri"/>
+                <a:ea typeface="Calibri"/>
+                <a:cs typeface="Calibri"/>
+                <a:sym typeface="Calibri"/>
+              </a:rPr>
+              <a:t> </a:t>
+            </a:r>
+            <a:endParaRPr sz="900">
               <a:latin typeface="Calibri"/>
               <a:ea typeface="Calibri"/>
               <a:cs typeface="Calibri"/>
               <a:sym typeface="Calibri"/>
             </a:endParaRPr>
           </a:p>
-          <a:p>
-            <a:pPr marL="171450" marR="0" lvl="0" indent="-133350" algn="l" rtl="0">
-              <a:lnSpc>
-                <a:spcPct val="100000"/>
-              </a:lnSpc>
-              <a:spcBef>
-                <a:spcPts val="0"/>
-              </a:spcBef>
-              <a:spcAft>
-                <a:spcPts val="0"/>
-              </a:spcAft>
-              <a:buSzPts val="1200"/>
-              <a:buFont typeface="Calibri"/>
-              <a:buChar char="●"/>
-            </a:pPr>
-            <a:r>
-              <a:rPr lang="en" sz="1200" u="sng">
-                <a:solidFill>
-                  <a:schemeClr val="hlink"/>
-                </a:solidFill>
-                <a:latin typeface="Calibri"/>
-                <a:ea typeface="Calibri"/>
-                <a:cs typeface="Calibri"/>
-                <a:sym typeface="Calibri"/>
-                <a:hlinkClick r:id="rId3"/>
-              </a:rPr>
-              <a:t>https://venturebeat.com/infrastructure/why-googles-new-interactions-api-is-such-a-big-deal-for-ai-developers</a:t>
-            </a:r>
-            <a:r>
-              <a:rPr lang="en" sz="1200">
-                <a:latin typeface="Calibri"/>
-                <a:ea typeface="Calibri"/>
-                <a:cs typeface="Calibri"/>
-                <a:sym typeface="Calibri"/>
-              </a:rPr>
-              <a:t> </a:t>
-            </a:r>
-            <a:endParaRPr sz="1200">
-              <a:latin typeface="Calibri"/>
-              <a:ea typeface="Calibri"/>
-              <a:cs typeface="Calibri"/>
-              <a:sym typeface="Calibri"/>
-            </a:endParaRPr>
-          </a:p>
         </p:txBody>
       </p:sp>
       <p:sp>
         <p:nvSpPr>
-          <p:cNvPr id="336" name="Google Shape;336;p39"/>
+          <p:cNvPr id="338" name="Google Shape;338;p39"/>
           <p:cNvSpPr txBox="1"/>
           <p:nvPr/>
         </p:nvSpPr>
         <p:spPr>
           <a:xfrm>
-            <a:off x="111575" y="2470201"/>
-            <a:ext cx="4336200" cy="203100"/>
+            <a:off x="6214198" y="1327494"/>
+            <a:ext cx="1662300" cy="387900"/>
           </a:xfrm>
           <a:prstGeom prst="rect">
             <a:avLst/>
@@ -39007,14 +39379,14 @@
       </p:sp>
       <p:sp>
         <p:nvSpPr>
-          <p:cNvPr id="337" name="Google Shape;337;p39"/>
+          <p:cNvPr id="339" name="Google Shape;339;p39"/>
           <p:cNvSpPr txBox="1"/>
           <p:nvPr/>
         </p:nvSpPr>
         <p:spPr>
           <a:xfrm>
-            <a:off x="111575" y="2893144"/>
-            <a:ext cx="4336200" cy="387900"/>
+            <a:off x="6032383" y="95823"/>
+            <a:ext cx="2686500" cy="341700"/>
           </a:xfrm>
           <a:prstGeom prst="rect">
             <a:avLst/>
@@ -39061,7 +39433,7 @@
               </a:rPr>
               <a:t>ChatGPT x Replit Launch</a:t>
             </a:r>
-            <a:endParaRPr sz="1200">
+            <a:endParaRPr sz="900">
               <a:latin typeface="Calibri"/>
               <a:ea typeface="Calibri"/>
               <a:cs typeface="Calibri"/>
@@ -39069,22 +39441,22 @@
             </a:endParaRPr>
           </a:p>
           <a:p>
-            <a:pPr marL="171450" marR="0" lvl="0" indent="-133350" algn="l" rtl="0">
-              <a:lnSpc>
-                <a:spcPct val="100000"/>
-              </a:lnSpc>
-              <a:spcBef>
-                <a:spcPts val="0"/>
-              </a:spcBef>
-              <a:spcAft>
-                <a:spcPts val="0"/>
-              </a:spcAft>
-              <a:buSzPts val="1200"/>
+            <a:pPr marL="171450" marR="0" lvl="0" indent="-114300" algn="l" rtl="0">
+              <a:lnSpc>
+                <a:spcPct val="100000"/>
+              </a:lnSpc>
+              <a:spcBef>
+                <a:spcPts val="0"/>
+              </a:spcBef>
+              <a:spcAft>
+                <a:spcPts val="0"/>
+              </a:spcAft>
+              <a:buSzPts val="900"/>
               <a:buFont typeface="Calibri"/>
               <a:buChar char="●"/>
             </a:pPr>
             <a:r>
-              <a:rPr lang="en" sz="1200" u="sng">
+              <a:rPr lang="en" sz="900" u="sng">
                 <a:solidFill>
                   <a:schemeClr val="hlink"/>
                 </a:solidFill>
@@ -39096,7 +39468,7 @@
               </a:rPr>
               <a:t>https://www.youtube.com/watch?v=Szmlj6_gbt8</a:t>
             </a:r>
-            <a:endParaRPr sz="1200">
+            <a:endParaRPr sz="900">
               <a:latin typeface="Calibri"/>
               <a:ea typeface="Calibri"/>
               <a:cs typeface="Calibri"/>
@@ -39107,14 +39479,14 @@
       </p:sp>
       <p:sp>
         <p:nvSpPr>
-          <p:cNvPr id="338" name="Google Shape;338;p39"/>
+          <p:cNvPr id="340" name="Google Shape;340;p39"/>
           <p:cNvSpPr txBox="1"/>
           <p:nvPr/>
         </p:nvSpPr>
         <p:spPr>
           <a:xfrm>
-            <a:off x="206825" y="4080924"/>
-            <a:ext cx="4336200" cy="357000"/>
+            <a:off x="111575" y="1674116"/>
+            <a:ext cx="5729700" cy="3404700"/>
           </a:xfrm>
           <a:prstGeom prst="rect">
             <a:avLst/>
@@ -39159,7 +39531,20 @@
                 <a:cs typeface="Calibri"/>
                 <a:sym typeface="Calibri"/>
               </a:rPr>
-              <a:t>Quint Code</a:t>
+              <a:t>Quint Code - </a:t>
+            </a:r>
+            <a:r>
+              <a:rPr lang="en" sz="1100" u="sng">
+                <a:solidFill>
+                  <a:schemeClr val="hlink"/>
+                </a:solidFill>
+                <a:latin typeface="Calibri"/>
+                <a:ea typeface="Calibri"/>
+                <a:cs typeface="Calibri"/>
+                <a:sym typeface="Calibri"/>
+                <a:hlinkClick r:id="rId5"/>
+              </a:rPr>
+              <a:t>https://github.com/m0n0x41d/quint-code</a:t>
             </a:r>
             <a:endParaRPr sz="1100">
               <a:latin typeface="Calibri"/>
@@ -39184,17 +39569,13 @@
               <a:buChar char="●"/>
             </a:pPr>
             <a:r>
-              <a:rPr lang="en" sz="1100" u="sng">
-                <a:solidFill>
-                  <a:schemeClr val="hlink"/>
-                </a:solidFill>
-                <a:latin typeface="Calibri"/>
-                <a:ea typeface="Calibri"/>
-                <a:cs typeface="Calibri"/>
-                <a:sym typeface="Calibri"/>
-                <a:hlinkClick r:id="rId5"/>
-              </a:rPr>
-              <a:t>https://github.com/m0n0x41d/quint-code</a:t>
+              <a:rPr lang="en" sz="1100">
+                <a:latin typeface="Calibri"/>
+                <a:ea typeface="Calibri"/>
+                <a:cs typeface="Calibri"/>
+                <a:sym typeface="Calibri"/>
+              </a:rPr>
+              <a:t>Quint Code is a set of commands for AI coding assistants like Claude Code, Gemini, Cursor, and Codex that implements hypothesis-driven decision making with auditable evidence trails</a:t>
             </a:r>
             <a:endParaRPr sz="1100">
               <a:latin typeface="Calibri"/>
@@ -39203,11 +39584,166 @@
               <a:sym typeface="Calibri"/>
             </a:endParaRPr>
           </a:p>
+          <a:p>
+            <a:pPr marL="171450" marR="0" lvl="0" indent="-127000" algn="l" rtl="0">
+              <a:lnSpc>
+                <a:spcPct val="100000"/>
+              </a:lnSpc>
+              <a:spcBef>
+                <a:spcPts val="0"/>
+              </a:spcBef>
+              <a:spcAft>
+                <a:spcPts val="0"/>
+              </a:spcAft>
+              <a:buSzPts val="1100"/>
+              <a:buFont typeface="Calibri"/>
+              <a:buChar char="●"/>
+            </a:pPr>
+            <a:r>
+              <a:rPr lang="en" sz="1100">
+                <a:latin typeface="Calibri"/>
+                <a:ea typeface="Calibri"/>
+                <a:cs typeface="Calibri"/>
+                <a:sym typeface="Calibri"/>
+              </a:rPr>
+              <a:t>Rather than relying on "vibe coding" where AI generates code without rigorous validation, Quint provides a framework that forces both engineers and AI to pause, validate assumptions, and document decisions systematically.​</a:t>
+            </a:r>
+            <a:endParaRPr sz="1100">
+              <a:latin typeface="Calibri"/>
+              <a:ea typeface="Calibri"/>
+              <a:cs typeface="Calibri"/>
+              <a:sym typeface="Calibri"/>
+            </a:endParaRPr>
+          </a:p>
+          <a:p>
+            <a:pPr marL="171450" marR="0" lvl="0" indent="-127000" algn="l" rtl="0">
+              <a:lnSpc>
+                <a:spcPct val="100000"/>
+              </a:lnSpc>
+              <a:spcBef>
+                <a:spcPts val="0"/>
+              </a:spcBef>
+              <a:spcAft>
+                <a:spcPts val="0"/>
+              </a:spcAft>
+              <a:buSzPts val="1100"/>
+              <a:buFont typeface="Calibri"/>
+              <a:buChar char="●"/>
+            </a:pPr>
+            <a:r>
+              <a:rPr lang="en" sz="1100">
+                <a:latin typeface="Calibri"/>
+                <a:ea typeface="Calibri"/>
+                <a:cs typeface="Calibri"/>
+                <a:sym typeface="Calibri"/>
+              </a:rPr>
+              <a:t>The toolkit is based on approximately 10% of the First Principles Framework (FPF), a formal "thinking OS" specification created by Anatoly Levenchuk</a:t>
+            </a:r>
+            <a:endParaRPr sz="1100">
+              <a:latin typeface="Calibri"/>
+              <a:ea typeface="Calibri"/>
+              <a:cs typeface="Calibri"/>
+              <a:sym typeface="Calibri"/>
+            </a:endParaRPr>
+          </a:p>
+          <a:p>
+            <a:pPr marL="171450" marR="0" lvl="0" indent="-127000" algn="l" rtl="0">
+              <a:lnSpc>
+                <a:spcPct val="100000"/>
+              </a:lnSpc>
+              <a:spcBef>
+                <a:spcPts val="0"/>
+              </a:spcBef>
+              <a:spcAft>
+                <a:spcPts val="0"/>
+              </a:spcAft>
+              <a:buSzPts val="1100"/>
+              <a:buFont typeface="Calibri"/>
+              <a:buChar char="●"/>
+            </a:pPr>
+            <a:r>
+              <a:rPr lang="en" sz="1100">
+                <a:latin typeface="Calibri"/>
+                <a:ea typeface="Calibri"/>
+                <a:cs typeface="Calibri"/>
+                <a:sym typeface="Calibri"/>
+              </a:rPr>
+              <a:t>Quint guides users through an ADI cycle—Abduction, Deduction, and Induction generating competing hypotheses, verifying them logically, testing empirically, and producing Decision Rationale Records that document what was chosen, why, supporting evidence, rejected alternatives, and when to revisit the decision.​</a:t>
+            </a:r>
+            <a:endParaRPr sz="1100">
+              <a:latin typeface="Calibri"/>
+              <a:ea typeface="Calibri"/>
+              <a:cs typeface="Calibri"/>
+              <a:sym typeface="Calibri"/>
+            </a:endParaRPr>
+          </a:p>
+          <a:p>
+            <a:pPr marL="171450" marR="0" lvl="0" indent="-127000" algn="l" rtl="0">
+              <a:lnSpc>
+                <a:spcPct val="100000"/>
+              </a:lnSpc>
+              <a:spcBef>
+                <a:spcPts val="0"/>
+              </a:spcBef>
+              <a:spcAft>
+                <a:spcPts val="0"/>
+              </a:spcAft>
+              <a:buSzPts val="1100"/>
+              <a:buFont typeface="Calibri"/>
+              <a:buChar char="●"/>
+            </a:pPr>
+            <a:r>
+              <a:rPr lang="en" sz="1100">
+                <a:latin typeface="Calibri"/>
+                <a:ea typeface="Calibri"/>
+                <a:cs typeface="Calibri"/>
+                <a:sym typeface="Calibri"/>
+              </a:rPr>
+              <a:t>Currently, Quint is a command-based toolkit with no UI or dependencies, adding minimal overhead to existing AI coding workflows. It consists of slash commands that act as structured prompts, making it harder to skip critical validation steps before code generation. The tool has been tested in complex engineering and strategy tasks with notably improved quality compared to unstructured AI interactions.​</a:t>
+            </a:r>
+            <a:endParaRPr sz="1100">
+              <a:latin typeface="Calibri"/>
+              <a:ea typeface="Calibri"/>
+              <a:cs typeface="Calibri"/>
+              <a:sym typeface="Calibri"/>
+            </a:endParaRPr>
+          </a:p>
+          <a:p>
+            <a:pPr marL="171450" marR="0" lvl="0" indent="-127000" algn="l" rtl="0">
+              <a:lnSpc>
+                <a:spcPct val="100000"/>
+              </a:lnSpc>
+              <a:spcBef>
+                <a:spcPts val="0"/>
+              </a:spcBef>
+              <a:spcAft>
+                <a:spcPts val="0"/>
+              </a:spcAft>
+              <a:buSzPts val="1100"/>
+              <a:buFont typeface="Calibri"/>
+              <a:buChar char="●"/>
+            </a:pPr>
+            <a:r>
+              <a:rPr lang="en" sz="1100">
+                <a:latin typeface="Calibri"/>
+                <a:ea typeface="Calibri"/>
+                <a:cs typeface="Calibri"/>
+                <a:sym typeface="Calibri"/>
+              </a:rPr>
+              <a:t>Future version 4.0 will introduce a compact MCP server that manages the FPF kernel and invariants using local SQLite databases alongside markdown files, allowing persistent context about project constraints and past decisions to be automatically fed to AI assistants</a:t>
+            </a:r>
+            <a:endParaRPr sz="1100">
+              <a:latin typeface="Calibri"/>
+              <a:ea typeface="Calibri"/>
+              <a:cs typeface="Calibri"/>
+              <a:sym typeface="Calibri"/>
+            </a:endParaRPr>
+          </a:p>
         </p:txBody>
       </p:sp>
       <p:pic>
         <p:nvPicPr>
-          <p:cNvPr id="339" name="Google Shape;339;p39"/>
+          <p:cNvPr id="341" name="Google Shape;341;p39"/>
           <p:cNvPicPr preferRelativeResize="0"/>
           <p:nvPr/>
         </p:nvPicPr>
@@ -39226,7 +39762,7 @@
         </p:blipFill>
         <p:spPr>
           <a:xfrm>
-            <a:off x="4942125" y="3824356"/>
+            <a:off x="5925600" y="3074356"/>
             <a:ext cx="3147974" cy="870125"/>
           </a:xfrm>
           <a:prstGeom prst="rect">
@@ -39240,7 +39776,7 @@
       </p:pic>
       <p:pic>
         <p:nvPicPr>
-          <p:cNvPr id="340" name="Google Shape;340;p39"/>
+          <p:cNvPr id="342" name="Google Shape;342;p39"/>
           <p:cNvPicPr preferRelativeResize="0"/>
           <p:nvPr/>
         </p:nvPicPr>
@@ -39259,8 +39795,47 @@
         </p:blipFill>
         <p:spPr>
           <a:xfrm>
-            <a:off x="4942125" y="2896451"/>
+            <a:off x="5677683" y="545549"/>
             <a:ext cx="3395889" cy="381293"/>
+          </a:xfrm>
+          <a:prstGeom prst="rect">
+            <a:avLst/>
+          </a:prstGeom>
+          <a:noFill/>
+          <a:ln w="9525" cap="flat" cmpd="sng">
+            <a:solidFill>
+              <a:srgbClr val="FF0000"/>
+            </a:solidFill>
+            <a:prstDash val="solid"/>
+            <a:round/>
+            <a:headEnd type="none" w="sm" len="sm"/>
+            <a:tailEnd type="none" w="sm" len="sm"/>
+          </a:ln>
+        </p:spPr>
+      </p:pic>
+      <p:pic>
+        <p:nvPicPr>
+          <p:cNvPr id="343" name="Google Shape;343;p39"/>
+          <p:cNvPicPr preferRelativeResize="0"/>
+          <p:nvPr/>
+        </p:nvPicPr>
+        <p:blipFill>
+          <a:blip r:embed="rId8" cstate="email">
+            <a:alphaModFix/>
+            <a:extLst>
+              <a:ext uri="{28A0092B-C50C-407E-A947-70E740481C1C}">
+                <a14:useLocalDpi xmlns:a14="http://schemas.microsoft.com/office/drawing/2010/main"/>
+              </a:ext>
+            </a:extLst>
+          </a:blip>
+          <a:stretch>
+            <a:fillRect/>
+          </a:stretch>
+        </p:blipFill>
+        <p:spPr>
+          <a:xfrm>
+            <a:off x="3638650" y="191802"/>
+            <a:ext cx="1866700" cy="500475"/>
           </a:xfrm>
           <a:prstGeom prst="rect">
             <a:avLst/>
@@ -39268,6 +39843,45 @@
           <a:noFill/>
           <a:ln>
             <a:noFill/>
+          </a:ln>
+        </p:spPr>
+      </p:pic>
+      <p:pic>
+        <p:nvPicPr>
+          <p:cNvPr id="344" name="Google Shape;344;p39"/>
+          <p:cNvPicPr preferRelativeResize="0"/>
+          <p:nvPr/>
+        </p:nvPicPr>
+        <p:blipFill>
+          <a:blip r:embed="rId9" cstate="email">
+            <a:alphaModFix/>
+            <a:extLst>
+              <a:ext uri="{28A0092B-C50C-407E-A947-70E740481C1C}">
+                <a14:useLocalDpi xmlns:a14="http://schemas.microsoft.com/office/drawing/2010/main"/>
+              </a:ext>
+            </a:extLst>
+          </a:blip>
+          <a:stretch>
+            <a:fillRect/>
+          </a:stretch>
+        </p:blipFill>
+        <p:spPr>
+          <a:xfrm>
+            <a:off x="7946792" y="1099443"/>
+            <a:ext cx="1126783" cy="844000"/>
+          </a:xfrm>
+          <a:prstGeom prst="rect">
+            <a:avLst/>
+          </a:prstGeom>
+          <a:noFill/>
+          <a:ln w="9525" cap="flat" cmpd="sng">
+            <a:solidFill>
+              <a:srgbClr val="FF0000"/>
+            </a:solidFill>
+            <a:prstDash val="solid"/>
+            <a:round/>
+            <a:headEnd type="none" w="sm" len="sm"/>
+            <a:tailEnd type="none" w="sm" len="sm"/>
           </a:ln>
         </p:spPr>
       </p:pic>
@@ -39284,7 +39898,7 @@
   <p:cSld>
     <p:spTree>
       <p:nvGrpSpPr>
-        <p:cNvPr id="1" name="Shape 344"/>
+        <p:cNvPr id="1" name="Shape 348"/>
         <p:cNvGrpSpPr/>
         <p:nvPr/>
       </p:nvGrpSpPr>
@@ -39298,7 +39912,781 @@
       </p:grpSpPr>
       <p:sp>
         <p:nvSpPr>
-          <p:cNvPr id="345" name="Google Shape;345;p40"/>
+          <p:cNvPr id="349" name="Google Shape;349;p40"/>
+          <p:cNvSpPr txBox="1"/>
+          <p:nvPr/>
+        </p:nvSpPr>
+        <p:spPr>
+          <a:xfrm>
+            <a:off x="55075" y="20375"/>
+            <a:ext cx="4034700" cy="326400"/>
+          </a:xfrm>
+          <a:prstGeom prst="rect">
+            <a:avLst/>
+          </a:prstGeom>
+          <a:noFill/>
+          <a:ln>
+            <a:noFill/>
+          </a:ln>
+        </p:spPr>
+        <p:txBody>
+          <a:bodyPr spcFirstLastPara="1" wrap="square" lIns="9125" tIns="9125" rIns="9125" bIns="9125" anchor="t" anchorCtr="0">
+            <a:spAutoFit/>
+          </a:bodyPr>
+          <a:lstStyle/>
+          <a:p>
+            <a:pPr marL="0" marR="0" lvl="0" indent="0" algn="l" rtl="0">
+              <a:lnSpc>
+                <a:spcPct val="100000"/>
+              </a:lnSpc>
+              <a:spcBef>
+                <a:spcPts val="0"/>
+              </a:spcBef>
+              <a:spcAft>
+                <a:spcPts val="0"/>
+              </a:spcAft>
+              <a:buClr>
+                <a:schemeClr val="dk1"/>
+              </a:buClr>
+              <a:buSzPts val="1100"/>
+              <a:buFont typeface="Arial"/>
+              <a:buNone/>
+            </a:pPr>
+            <a:r>
+              <a:rPr lang="en" sz="2000" b="1">
+                <a:solidFill>
+                  <a:schemeClr val="dk1"/>
+                </a:solidFill>
+                <a:latin typeface="Calibri"/>
+                <a:ea typeface="Calibri"/>
+                <a:cs typeface="Calibri"/>
+                <a:sym typeface="Calibri"/>
+              </a:rPr>
+              <a:t>AI Updates</a:t>
+            </a:r>
+            <a:endParaRPr sz="2000" b="1" i="0" u="none" strike="noStrike" cap="none">
+              <a:solidFill>
+                <a:schemeClr val="dk1"/>
+              </a:solidFill>
+              <a:latin typeface="Calibri"/>
+              <a:ea typeface="Calibri"/>
+              <a:cs typeface="Calibri"/>
+              <a:sym typeface="Calibri"/>
+            </a:endParaRPr>
+          </a:p>
+        </p:txBody>
+      </p:sp>
+      <p:sp>
+        <p:nvSpPr>
+          <p:cNvPr id="350" name="Google Shape;350;p40"/>
+          <p:cNvSpPr txBox="1"/>
+          <p:nvPr/>
+        </p:nvSpPr>
+        <p:spPr>
+          <a:xfrm>
+            <a:off x="111575" y="392100"/>
+            <a:ext cx="4409100" cy="942000"/>
+          </a:xfrm>
+          <a:prstGeom prst="rect">
+            <a:avLst/>
+          </a:prstGeom>
+          <a:solidFill>
+            <a:srgbClr val="FFF2CC"/>
+          </a:solidFill>
+          <a:ln w="9525" cap="flat" cmpd="sng">
+            <a:solidFill>
+              <a:srgbClr val="FF0000"/>
+            </a:solidFill>
+            <a:prstDash val="solid"/>
+            <a:round/>
+            <a:headEnd type="none" w="sm" len="sm"/>
+            <a:tailEnd type="none" w="sm" len="sm"/>
+          </a:ln>
+        </p:spPr>
+        <p:txBody>
+          <a:bodyPr spcFirstLastPara="1" wrap="square" lIns="9125" tIns="9125" rIns="9125" bIns="9125" anchor="t" anchorCtr="0">
+            <a:spAutoFit/>
+          </a:bodyPr>
+          <a:lstStyle/>
+          <a:p>
+            <a:pPr marL="171450" marR="0" lvl="0" indent="-133350" algn="l" rtl="0">
+              <a:lnSpc>
+                <a:spcPct val="100000"/>
+              </a:lnSpc>
+              <a:spcBef>
+                <a:spcPts val="0"/>
+              </a:spcBef>
+              <a:spcAft>
+                <a:spcPts val="0"/>
+              </a:spcAft>
+              <a:buSzPts val="1200"/>
+              <a:buFont typeface="Calibri"/>
+              <a:buChar char="●"/>
+            </a:pPr>
+            <a:r>
+              <a:rPr lang="en" sz="1200" b="1">
+                <a:solidFill>
+                  <a:srgbClr val="FF0000"/>
+                </a:solidFill>
+                <a:latin typeface="Calibri"/>
+                <a:ea typeface="Calibri"/>
+                <a:cs typeface="Calibri"/>
+                <a:sym typeface="Calibri"/>
+              </a:rPr>
+              <a:t>Zoom</a:t>
+            </a:r>
+            <a:r>
+              <a:rPr lang="en" sz="1200">
+                <a:latin typeface="Calibri"/>
+                <a:ea typeface="Calibri"/>
+                <a:cs typeface="Calibri"/>
+                <a:sym typeface="Calibri"/>
+              </a:rPr>
+              <a:t> achieved strong benchmark performance using a </a:t>
+            </a:r>
+            <a:r>
+              <a:rPr lang="en" sz="1200" b="1">
+                <a:solidFill>
+                  <a:srgbClr val="FF0000"/>
+                </a:solidFill>
+                <a:latin typeface="Calibri"/>
+                <a:ea typeface="Calibri"/>
+                <a:cs typeface="Calibri"/>
+                <a:sym typeface="Calibri"/>
+              </a:rPr>
+              <a:t>"federated AI"</a:t>
+            </a:r>
+            <a:r>
+              <a:rPr lang="en" sz="1200">
+                <a:latin typeface="Calibri"/>
+                <a:ea typeface="Calibri"/>
+                <a:cs typeface="Calibri"/>
+                <a:sym typeface="Calibri"/>
+              </a:rPr>
+              <a:t> system rather than a single proprietary model</a:t>
+            </a:r>
+            <a:endParaRPr sz="1200">
+              <a:latin typeface="Calibri"/>
+              <a:ea typeface="Calibri"/>
+              <a:cs typeface="Calibri"/>
+              <a:sym typeface="Calibri"/>
+            </a:endParaRPr>
+          </a:p>
+          <a:p>
+            <a:pPr marL="171450" marR="0" lvl="0" indent="-133350" algn="l" rtl="0">
+              <a:lnSpc>
+                <a:spcPct val="100000"/>
+              </a:lnSpc>
+              <a:spcBef>
+                <a:spcPts val="0"/>
+              </a:spcBef>
+              <a:spcAft>
+                <a:spcPts val="0"/>
+              </a:spcAft>
+              <a:buSzPts val="1200"/>
+              <a:buFont typeface="Calibri"/>
+              <a:buChar char="●"/>
+            </a:pPr>
+            <a:r>
+              <a:rPr lang="en" sz="1200">
+                <a:latin typeface="Calibri"/>
+                <a:ea typeface="Calibri"/>
+                <a:cs typeface="Calibri"/>
+                <a:sym typeface="Calibri"/>
+              </a:rPr>
+              <a:t>Its approach routes tasks to the most suitable mix of internal, open-source, and closed models, and this strategy performed well on difficult evaluation benchmarks</a:t>
+            </a:r>
+            <a:endParaRPr sz="1200">
+              <a:latin typeface="Calibri"/>
+              <a:ea typeface="Calibri"/>
+              <a:cs typeface="Calibri"/>
+              <a:sym typeface="Calibri"/>
+            </a:endParaRPr>
+          </a:p>
+        </p:txBody>
+      </p:sp>
+      <p:sp>
+        <p:nvSpPr>
+          <p:cNvPr id="351" name="Google Shape;351;p40"/>
+          <p:cNvSpPr txBox="1"/>
+          <p:nvPr/>
+        </p:nvSpPr>
+        <p:spPr>
+          <a:xfrm>
+            <a:off x="111575" y="1614050"/>
+            <a:ext cx="4409100" cy="757200"/>
+          </a:xfrm>
+          <a:prstGeom prst="rect">
+            <a:avLst/>
+          </a:prstGeom>
+          <a:solidFill>
+            <a:srgbClr val="FFF2CC"/>
+          </a:solidFill>
+          <a:ln w="9525" cap="flat" cmpd="sng">
+            <a:solidFill>
+              <a:srgbClr val="FF0000"/>
+            </a:solidFill>
+            <a:prstDash val="solid"/>
+            <a:round/>
+            <a:headEnd type="none" w="sm" len="sm"/>
+            <a:tailEnd type="none" w="sm" len="sm"/>
+          </a:ln>
+        </p:spPr>
+        <p:txBody>
+          <a:bodyPr spcFirstLastPara="1" wrap="square" lIns="9125" tIns="9125" rIns="9125" bIns="9125" anchor="t" anchorCtr="0">
+            <a:spAutoFit/>
+          </a:bodyPr>
+          <a:lstStyle/>
+          <a:p>
+            <a:pPr marL="171450" marR="0" lvl="0" indent="-133350" algn="l" rtl="0">
+              <a:lnSpc>
+                <a:spcPct val="100000"/>
+              </a:lnSpc>
+              <a:spcBef>
+                <a:spcPts val="0"/>
+              </a:spcBef>
+              <a:spcAft>
+                <a:spcPts val="0"/>
+              </a:spcAft>
+              <a:buSzPts val="1200"/>
+              <a:buFont typeface="Calibri"/>
+              <a:buChar char="●"/>
+            </a:pPr>
+            <a:r>
+              <a:rPr lang="en" sz="1200" b="1">
+                <a:solidFill>
+                  <a:srgbClr val="FF0000"/>
+                </a:solidFill>
+                <a:latin typeface="Calibri"/>
+                <a:ea typeface="Calibri"/>
+                <a:cs typeface="Calibri"/>
+                <a:sym typeface="Calibri"/>
+              </a:rPr>
+              <a:t>Meta open-source model - SAM Audio</a:t>
+            </a:r>
+            <a:endParaRPr sz="1200">
+              <a:latin typeface="Calibri"/>
+              <a:ea typeface="Calibri"/>
+              <a:cs typeface="Calibri"/>
+              <a:sym typeface="Calibri"/>
+            </a:endParaRPr>
+          </a:p>
+          <a:p>
+            <a:pPr marL="171450" marR="0" lvl="0" indent="-133350" algn="l" rtl="0">
+              <a:lnSpc>
+                <a:spcPct val="100000"/>
+              </a:lnSpc>
+              <a:spcBef>
+                <a:spcPts val="0"/>
+              </a:spcBef>
+              <a:spcAft>
+                <a:spcPts val="0"/>
+              </a:spcAft>
+              <a:buSzPts val="1200"/>
+              <a:buFont typeface="Calibri"/>
+              <a:buChar char="●"/>
+            </a:pPr>
+            <a:r>
+              <a:rPr lang="en" sz="1200">
+                <a:latin typeface="Calibri"/>
+                <a:ea typeface="Calibri"/>
+                <a:cs typeface="Calibri"/>
+                <a:sym typeface="Calibri"/>
+              </a:rPr>
+              <a:t>Enables isolating and manipulating specific audio sources within recordings or videos. It is positioned as powerful, easy to use, and fully open source.</a:t>
+            </a:r>
+            <a:endParaRPr sz="1200">
+              <a:latin typeface="Calibri"/>
+              <a:ea typeface="Calibri"/>
+              <a:cs typeface="Calibri"/>
+              <a:sym typeface="Calibri"/>
+            </a:endParaRPr>
+          </a:p>
+        </p:txBody>
+      </p:sp>
+      <p:pic>
+        <p:nvPicPr>
+          <p:cNvPr id="352" name="Google Shape;352;p40"/>
+          <p:cNvPicPr preferRelativeResize="0"/>
+          <p:nvPr/>
+        </p:nvPicPr>
+        <p:blipFill>
+          <a:blip r:embed="rId3" cstate="email">
+            <a:alphaModFix/>
+            <a:extLst>
+              <a:ext uri="{28A0092B-C50C-407E-A947-70E740481C1C}">
+                <a14:useLocalDpi xmlns:a14="http://schemas.microsoft.com/office/drawing/2010/main"/>
+              </a:ext>
+            </a:extLst>
+          </a:blip>
+          <a:stretch>
+            <a:fillRect/>
+          </a:stretch>
+        </p:blipFill>
+        <p:spPr>
+          <a:xfrm>
+            <a:off x="4940007" y="392100"/>
+            <a:ext cx="3095143" cy="942000"/>
+          </a:xfrm>
+          <a:prstGeom prst="rect">
+            <a:avLst/>
+          </a:prstGeom>
+          <a:noFill/>
+          <a:ln w="9525" cap="flat" cmpd="sng">
+            <a:solidFill>
+              <a:srgbClr val="FF0000"/>
+            </a:solidFill>
+            <a:prstDash val="solid"/>
+            <a:round/>
+            <a:headEnd type="none" w="sm" len="sm"/>
+            <a:tailEnd type="none" w="sm" len="sm"/>
+          </a:ln>
+        </p:spPr>
+      </p:pic>
+      <p:pic>
+        <p:nvPicPr>
+          <p:cNvPr id="353" name="Google Shape;353;p40"/>
+          <p:cNvPicPr preferRelativeResize="0"/>
+          <p:nvPr/>
+        </p:nvPicPr>
+        <p:blipFill>
+          <a:blip r:embed="rId4" cstate="email">
+            <a:alphaModFix/>
+            <a:extLst>
+              <a:ext uri="{28A0092B-C50C-407E-A947-70E740481C1C}">
+                <a14:useLocalDpi xmlns:a14="http://schemas.microsoft.com/office/drawing/2010/main"/>
+              </a:ext>
+            </a:extLst>
+          </a:blip>
+          <a:stretch>
+            <a:fillRect/>
+          </a:stretch>
+        </p:blipFill>
+        <p:spPr>
+          <a:xfrm>
+            <a:off x="4940000" y="1614050"/>
+            <a:ext cx="2487970" cy="757200"/>
+          </a:xfrm>
+          <a:prstGeom prst="rect">
+            <a:avLst/>
+          </a:prstGeom>
+          <a:noFill/>
+          <a:ln w="9525" cap="flat" cmpd="sng">
+            <a:solidFill>
+              <a:srgbClr val="FF0000"/>
+            </a:solidFill>
+            <a:prstDash val="solid"/>
+            <a:round/>
+            <a:headEnd type="none" w="sm" len="sm"/>
+            <a:tailEnd type="none" w="sm" len="sm"/>
+          </a:ln>
+        </p:spPr>
+      </p:pic>
+      <p:sp>
+        <p:nvSpPr>
+          <p:cNvPr id="354" name="Google Shape;354;p40"/>
+          <p:cNvSpPr txBox="1"/>
+          <p:nvPr/>
+        </p:nvSpPr>
+        <p:spPr>
+          <a:xfrm>
+            <a:off x="111575" y="2651200"/>
+            <a:ext cx="4409100" cy="1680900"/>
+          </a:xfrm>
+          <a:prstGeom prst="rect">
+            <a:avLst/>
+          </a:prstGeom>
+          <a:solidFill>
+            <a:srgbClr val="FFF2CC"/>
+          </a:solidFill>
+          <a:ln w="9525" cap="flat" cmpd="sng">
+            <a:solidFill>
+              <a:srgbClr val="FF0000"/>
+            </a:solidFill>
+            <a:prstDash val="solid"/>
+            <a:round/>
+            <a:headEnd type="none" w="sm" len="sm"/>
+            <a:tailEnd type="none" w="sm" len="sm"/>
+          </a:ln>
+        </p:spPr>
+        <p:txBody>
+          <a:bodyPr spcFirstLastPara="1" wrap="square" lIns="9125" tIns="9125" rIns="9125" bIns="9125" anchor="t" anchorCtr="0">
+            <a:spAutoFit/>
+          </a:bodyPr>
+          <a:lstStyle/>
+          <a:p>
+            <a:pPr marL="171450" marR="0" lvl="0" indent="-133350" algn="l" rtl="0">
+              <a:lnSpc>
+                <a:spcPct val="100000"/>
+              </a:lnSpc>
+              <a:spcBef>
+                <a:spcPts val="0"/>
+              </a:spcBef>
+              <a:spcAft>
+                <a:spcPts val="0"/>
+              </a:spcAft>
+              <a:buClr>
+                <a:srgbClr val="FF0000"/>
+              </a:buClr>
+              <a:buSzPts val="1200"/>
+              <a:buFont typeface="Calibri"/>
+              <a:buChar char="●"/>
+            </a:pPr>
+            <a:r>
+              <a:rPr lang="en" sz="1200" b="1">
+                <a:solidFill>
+                  <a:srgbClr val="FF0000"/>
+                </a:solidFill>
+                <a:latin typeface="Calibri"/>
+                <a:ea typeface="Calibri"/>
+                <a:cs typeface="Calibri"/>
+                <a:sym typeface="Calibri"/>
+              </a:rPr>
+              <a:t>Five tech breakthroughs in next 18 months</a:t>
+            </a:r>
+            <a:endParaRPr sz="1200" b="1">
+              <a:solidFill>
+                <a:srgbClr val="FF0000"/>
+              </a:solidFill>
+              <a:latin typeface="Calibri"/>
+              <a:ea typeface="Calibri"/>
+              <a:cs typeface="Calibri"/>
+              <a:sym typeface="Calibri"/>
+            </a:endParaRPr>
+          </a:p>
+          <a:p>
+            <a:pPr marL="171450" marR="0" lvl="0" indent="-133350" algn="l" rtl="0">
+              <a:lnSpc>
+                <a:spcPct val="100000"/>
+              </a:lnSpc>
+              <a:spcBef>
+                <a:spcPts val="0"/>
+              </a:spcBef>
+              <a:spcAft>
+                <a:spcPts val="0"/>
+              </a:spcAft>
+              <a:buSzPts val="1200"/>
+              <a:buFont typeface="Calibri"/>
+              <a:buChar char="●"/>
+            </a:pPr>
+            <a:r>
+              <a:rPr lang="en" sz="1200">
+                <a:latin typeface="Calibri"/>
+                <a:ea typeface="Calibri"/>
+                <a:cs typeface="Calibri"/>
+                <a:sym typeface="Calibri"/>
+              </a:rPr>
+              <a:t>(1) Diffusion LMs</a:t>
+            </a:r>
+            <a:endParaRPr sz="1200">
+              <a:latin typeface="Calibri"/>
+              <a:ea typeface="Calibri"/>
+              <a:cs typeface="Calibri"/>
+              <a:sym typeface="Calibri"/>
+            </a:endParaRPr>
+          </a:p>
+          <a:p>
+            <a:pPr marL="171450" marR="0" lvl="0" indent="-133350" algn="l" rtl="0">
+              <a:lnSpc>
+                <a:spcPct val="100000"/>
+              </a:lnSpc>
+              <a:spcBef>
+                <a:spcPts val="0"/>
+              </a:spcBef>
+              <a:spcAft>
+                <a:spcPts val="0"/>
+              </a:spcAft>
+              <a:buSzPts val="1200"/>
+              <a:buFont typeface="Calibri"/>
+              <a:buChar char="●"/>
+            </a:pPr>
+            <a:r>
+              <a:rPr lang="en" sz="1200">
+                <a:latin typeface="Calibri"/>
+                <a:ea typeface="Calibri"/>
+                <a:cs typeface="Calibri"/>
+                <a:sym typeface="Calibri"/>
+              </a:rPr>
+              <a:t>(2) “sub-quadratic” attention - Google’s Titans and Manifest AI’s Power Attention</a:t>
+            </a:r>
+            <a:endParaRPr sz="1200">
+              <a:latin typeface="Calibri"/>
+              <a:ea typeface="Calibri"/>
+              <a:cs typeface="Calibri"/>
+              <a:sym typeface="Calibri"/>
+            </a:endParaRPr>
+          </a:p>
+          <a:p>
+            <a:pPr marL="171450" marR="0" lvl="0" indent="-133350" algn="l" rtl="0">
+              <a:lnSpc>
+                <a:spcPct val="100000"/>
+              </a:lnSpc>
+              <a:spcBef>
+                <a:spcPts val="0"/>
+              </a:spcBef>
+              <a:spcAft>
+                <a:spcPts val="0"/>
+              </a:spcAft>
+              <a:buSzPts val="1200"/>
+              <a:buFont typeface="Calibri"/>
+              <a:buChar char="●"/>
+            </a:pPr>
+            <a:r>
+              <a:rPr lang="en" sz="1200">
+                <a:latin typeface="Calibri"/>
+                <a:ea typeface="Calibri"/>
+                <a:cs typeface="Calibri"/>
+                <a:sym typeface="Calibri"/>
+              </a:rPr>
+              <a:t>(3) Latent-space thinking instead of thinking in words</a:t>
+            </a:r>
+            <a:endParaRPr sz="1200">
+              <a:latin typeface="Calibri"/>
+              <a:ea typeface="Calibri"/>
+              <a:cs typeface="Calibri"/>
+              <a:sym typeface="Calibri"/>
+            </a:endParaRPr>
+          </a:p>
+          <a:p>
+            <a:pPr marL="171450" marR="0" lvl="0" indent="-133350" algn="l" rtl="0">
+              <a:lnSpc>
+                <a:spcPct val="100000"/>
+              </a:lnSpc>
+              <a:spcBef>
+                <a:spcPts val="0"/>
+              </a:spcBef>
+              <a:spcAft>
+                <a:spcPts val="0"/>
+              </a:spcAft>
+              <a:buSzPts val="1200"/>
+              <a:buFont typeface="Calibri"/>
+              <a:buChar char="●"/>
+            </a:pPr>
+            <a:r>
+              <a:rPr lang="en" sz="1200">
+                <a:latin typeface="Calibri"/>
+                <a:ea typeface="Calibri"/>
+                <a:cs typeface="Calibri"/>
+                <a:sym typeface="Calibri"/>
+              </a:rPr>
+              <a:t>(4) Continual learning</a:t>
+            </a:r>
+            <a:endParaRPr sz="1200">
+              <a:latin typeface="Calibri"/>
+              <a:ea typeface="Calibri"/>
+              <a:cs typeface="Calibri"/>
+              <a:sym typeface="Calibri"/>
+            </a:endParaRPr>
+          </a:p>
+          <a:p>
+            <a:pPr marL="171450" marR="0" lvl="0" indent="-133350" algn="l" rtl="0">
+              <a:lnSpc>
+                <a:spcPct val="100000"/>
+              </a:lnSpc>
+              <a:spcBef>
+                <a:spcPts val="0"/>
+              </a:spcBef>
+              <a:spcAft>
+                <a:spcPts val="0"/>
+              </a:spcAft>
+              <a:buSzPts val="1200"/>
+              <a:buFont typeface="Calibri"/>
+              <a:buChar char="●"/>
+            </a:pPr>
+            <a:r>
+              <a:rPr lang="en" sz="1200">
+                <a:latin typeface="Calibri"/>
+                <a:ea typeface="Calibri"/>
+                <a:cs typeface="Calibri"/>
+                <a:sym typeface="Calibri"/>
+              </a:rPr>
+              <a:t>(5) Possible replacement for transformers: the continuous thought machine (CTM)</a:t>
+            </a:r>
+            <a:endParaRPr sz="1200">
+              <a:latin typeface="Calibri"/>
+              <a:ea typeface="Calibri"/>
+              <a:cs typeface="Calibri"/>
+              <a:sym typeface="Calibri"/>
+            </a:endParaRPr>
+          </a:p>
+          <a:p>
+            <a:pPr marL="171450" marR="0" lvl="0" indent="-133350" algn="l" rtl="0">
+              <a:lnSpc>
+                <a:spcPct val="100000"/>
+              </a:lnSpc>
+              <a:spcBef>
+                <a:spcPts val="0"/>
+              </a:spcBef>
+              <a:spcAft>
+                <a:spcPts val="0"/>
+              </a:spcAft>
+              <a:buSzPts val="1200"/>
+              <a:buFont typeface="Calibri"/>
+              <a:buChar char="●"/>
+            </a:pPr>
+            <a:r>
+              <a:rPr lang="en" sz="1200" u="sng">
+                <a:solidFill>
+                  <a:schemeClr val="hlink"/>
+                </a:solidFill>
+                <a:latin typeface="Calibri"/>
+                <a:ea typeface="Calibri"/>
+                <a:cs typeface="Calibri"/>
+                <a:sym typeface="Calibri"/>
+                <a:hlinkClick r:id="rId5"/>
+              </a:rPr>
+              <a:t>https://www.youtube.com/watch?v=h-z71uspNHw</a:t>
+            </a:r>
+            <a:r>
+              <a:rPr lang="en" sz="1200">
+                <a:latin typeface="Calibri"/>
+                <a:ea typeface="Calibri"/>
+                <a:cs typeface="Calibri"/>
+                <a:sym typeface="Calibri"/>
+              </a:rPr>
+              <a:t> </a:t>
+            </a:r>
+            <a:endParaRPr sz="1200">
+              <a:latin typeface="Calibri"/>
+              <a:ea typeface="Calibri"/>
+              <a:cs typeface="Calibri"/>
+              <a:sym typeface="Calibri"/>
+            </a:endParaRPr>
+          </a:p>
+        </p:txBody>
+      </p:sp>
+      <p:sp>
+        <p:nvSpPr>
+          <p:cNvPr id="355" name="Google Shape;355;p40"/>
+          <p:cNvSpPr txBox="1"/>
+          <p:nvPr/>
+        </p:nvSpPr>
+        <p:spPr>
+          <a:xfrm>
+            <a:off x="4940000" y="2651200"/>
+            <a:ext cx="3641400" cy="2031900"/>
+          </a:xfrm>
+          <a:prstGeom prst="rect">
+            <a:avLst/>
+          </a:prstGeom>
+          <a:solidFill>
+            <a:schemeClr val="lt1"/>
+          </a:solidFill>
+          <a:ln w="9525" cap="flat" cmpd="sng">
+            <a:solidFill>
+              <a:srgbClr val="FF0000"/>
+            </a:solidFill>
+            <a:prstDash val="solid"/>
+            <a:round/>
+            <a:headEnd type="none" w="sm" len="sm"/>
+            <a:tailEnd type="none" w="sm" len="sm"/>
+          </a:ln>
+        </p:spPr>
+        <p:txBody>
+          <a:bodyPr spcFirstLastPara="1" wrap="square" lIns="274300" tIns="274300" rIns="274300" bIns="274300" anchor="t" anchorCtr="0">
+            <a:spAutoFit/>
+          </a:bodyPr>
+          <a:lstStyle/>
+          <a:p>
+            <a:pPr marL="0" marR="0" lvl="0" indent="0" algn="ctr" rtl="0">
+              <a:lnSpc>
+                <a:spcPct val="100000"/>
+              </a:lnSpc>
+              <a:spcBef>
+                <a:spcPts val="0"/>
+              </a:spcBef>
+              <a:spcAft>
+                <a:spcPts val="0"/>
+              </a:spcAft>
+              <a:buNone/>
+            </a:pPr>
+            <a:r>
+              <a:rPr lang="en" sz="3200" b="1">
+                <a:solidFill>
+                  <a:srgbClr val="6AA84F"/>
+                </a:solidFill>
+                <a:latin typeface="Calibri"/>
+                <a:ea typeface="Calibri"/>
+                <a:cs typeface="Calibri"/>
+                <a:sym typeface="Calibri"/>
+              </a:rPr>
+              <a:t>Five Breakthroughs </a:t>
+            </a:r>
+            <a:endParaRPr sz="3200" b="1">
+              <a:solidFill>
+                <a:srgbClr val="6AA84F"/>
+              </a:solidFill>
+              <a:latin typeface="Calibri"/>
+              <a:ea typeface="Calibri"/>
+              <a:cs typeface="Calibri"/>
+              <a:sym typeface="Calibri"/>
+            </a:endParaRPr>
+          </a:p>
+          <a:p>
+            <a:pPr marL="0" marR="0" lvl="0" indent="0" algn="ctr" rtl="0">
+              <a:lnSpc>
+                <a:spcPct val="100000"/>
+              </a:lnSpc>
+              <a:spcBef>
+                <a:spcPts val="0"/>
+              </a:spcBef>
+              <a:spcAft>
+                <a:spcPts val="0"/>
+              </a:spcAft>
+              <a:buNone/>
+            </a:pPr>
+            <a:r>
+              <a:rPr lang="en" sz="3200" b="1">
+                <a:solidFill>
+                  <a:srgbClr val="6AA84F"/>
+                </a:solidFill>
+                <a:latin typeface="Calibri"/>
+                <a:ea typeface="Calibri"/>
+                <a:cs typeface="Calibri"/>
+                <a:sym typeface="Calibri"/>
+              </a:rPr>
+              <a:t>in next 18 months</a:t>
+            </a:r>
+            <a:endParaRPr sz="3200" b="1">
+              <a:solidFill>
+                <a:srgbClr val="6AA84F"/>
+              </a:solidFill>
+              <a:latin typeface="Calibri"/>
+              <a:ea typeface="Calibri"/>
+              <a:cs typeface="Calibri"/>
+              <a:sym typeface="Calibri"/>
+            </a:endParaRPr>
+          </a:p>
+        </p:txBody>
+      </p:sp>
+    </p:spTree>
+  </p:cSld>
+  <p:clrMapOvr>
+    <a:masterClrMapping/>
+  </p:clrMapOvr>
+</p:sld>
+</file>
+
+<file path=ppt/slides/slide27.xml><?xml version="1.0" encoding="utf-8"?>
+<p:sld xmlns:a="http://schemas.openxmlformats.org/drawingml/2006/main" xmlns:r="http://schemas.openxmlformats.org/officeDocument/2006/relationships" xmlns:p="http://schemas.openxmlformats.org/presentationml/2006/main">
+  <p:cSld>
+    <p:spTree>
+      <p:nvGrpSpPr>
+        <p:cNvPr id="1" name="Shape 359"/>
+        <p:cNvGrpSpPr/>
+        <p:nvPr/>
+      </p:nvGrpSpPr>
+      <p:grpSpPr>
+        <a:xfrm>
+          <a:off x="0" y="0"/>
+          <a:ext cx="0" cy="0"/>
+          <a:chOff x="0" y="0"/>
+          <a:chExt cx="0" cy="0"/>
+        </a:xfrm>
+      </p:grpSpPr>
+      <p:sp>
+        <p:nvSpPr>
+          <p:cNvPr id="360" name="Google Shape;360;p41"/>
           <p:cNvSpPr txBox="1"/>
           <p:nvPr/>
         </p:nvSpPr>
@@ -39364,7 +40752,7 @@
       </p:sp>
       <p:sp>
         <p:nvSpPr>
-          <p:cNvPr id="346" name="Google Shape;346;p40"/>
+          <p:cNvPr id="361" name="Google Shape;361;p41"/>
           <p:cNvSpPr txBox="1"/>
           <p:nvPr/>
         </p:nvSpPr>
@@ -39492,7 +40880,7 @@
       </p:sp>
       <p:sp>
         <p:nvSpPr>
-          <p:cNvPr id="347" name="Google Shape;347;p40"/>
+          <p:cNvPr id="362" name="Google Shape;362;p41"/>
           <p:cNvSpPr txBox="1"/>
           <p:nvPr/>
         </p:nvSpPr>
@@ -39719,7 +41107,7 @@
       </p:sp>
       <p:sp>
         <p:nvSpPr>
-          <p:cNvPr id="348" name="Google Shape;348;p40"/>
+          <p:cNvPr id="363" name="Google Shape;363;p41"/>
           <p:cNvSpPr txBox="1"/>
           <p:nvPr/>
         </p:nvSpPr>
@@ -39892,7 +41280,7 @@
       </p:sp>
       <p:pic>
         <p:nvPicPr>
-          <p:cNvPr id="349" name="Google Shape;349;p40"/>
+          <p:cNvPr id="364" name="Google Shape;364;p41"/>
           <p:cNvPicPr preferRelativeResize="0"/>
           <p:nvPr/>
         </p:nvPicPr>
@@ -39931,7 +41319,7 @@
       </p:pic>
       <p:pic>
         <p:nvPicPr>
-          <p:cNvPr id="350" name="Google Shape;350;p40"/>
+          <p:cNvPr id="365" name="Google Shape;365;p41"/>
           <p:cNvPicPr preferRelativeResize="0"/>
           <p:nvPr/>
         </p:nvPicPr>
@@ -39976,12 +41364,12 @@
 </p:sld>
 </file>
 
-<file path=ppt/slides/slide27.xml><?xml version="1.0" encoding="utf-8"?>
+<file path=ppt/slides/slide28.xml><?xml version="1.0" encoding="utf-8"?>
 <p:sld xmlns:a="http://schemas.openxmlformats.org/drawingml/2006/main" xmlns:r="http://schemas.openxmlformats.org/officeDocument/2006/relationships" xmlns:p="http://schemas.openxmlformats.org/presentationml/2006/main">
   <p:cSld>
     <p:spTree>
       <p:nvGrpSpPr>
-        <p:cNvPr id="1" name="Shape 354"/>
+        <p:cNvPr id="1" name="Shape 369"/>
         <p:cNvGrpSpPr/>
         <p:nvPr/>
       </p:nvGrpSpPr>
@@ -39995,7 +41383,7 @@
       </p:grpSpPr>
       <p:pic>
         <p:nvPicPr>
-          <p:cNvPr id="355" name="Google Shape;355;p41"/>
+          <p:cNvPr id="370" name="Google Shape;370;p42"/>
           <p:cNvPicPr preferRelativeResize="0"/>
           <p:nvPr/>
         </p:nvPicPr>
@@ -40027,7 +41415,7 @@
       </p:pic>
       <p:sp>
         <p:nvSpPr>
-          <p:cNvPr id="356" name="Google Shape;356;p41"/>
+          <p:cNvPr id="371" name="Google Shape;371;p42"/>
           <p:cNvSpPr txBox="1"/>
           <p:nvPr/>
         </p:nvSpPr>
@@ -40093,7 +41481,7 @@
       </p:sp>
       <p:sp>
         <p:nvSpPr>
-          <p:cNvPr id="357" name="Google Shape;357;p41"/>
+          <p:cNvPr id="372" name="Google Shape;372;p42"/>
           <p:cNvSpPr txBox="1"/>
           <p:nvPr/>
         </p:nvSpPr>
@@ -40523,7 +41911,7 @@
       </p:sp>
       <p:pic>
         <p:nvPicPr>
-          <p:cNvPr id="358" name="Google Shape;358;p41"/>
+          <p:cNvPr id="373" name="Google Shape;373;p42"/>
           <p:cNvPicPr preferRelativeResize="0"/>
           <p:nvPr/>
         </p:nvPicPr>
@@ -40555,7 +41943,7 @@
       </p:pic>
       <p:sp>
         <p:nvSpPr>
-          <p:cNvPr id="359" name="Google Shape;359;p41"/>
+          <p:cNvPr id="374" name="Google Shape;374;p42"/>
           <p:cNvSpPr txBox="1"/>
           <p:nvPr/>
         </p:nvSpPr>
@@ -40634,7 +42022,7 @@
       </p:sp>
       <p:sp>
         <p:nvSpPr>
-          <p:cNvPr id="360" name="Google Shape;360;p41"/>
+          <p:cNvPr id="375" name="Google Shape;375;p42"/>
           <p:cNvSpPr txBox="1"/>
           <p:nvPr/>
         </p:nvSpPr>
@@ -40706,12 +42094,12 @@
 </p:sld>
 </file>
 
-<file path=ppt/slides/slide28.xml><?xml version="1.0" encoding="utf-8"?>
+<file path=ppt/slides/slide29.xml><?xml version="1.0" encoding="utf-8"?>
 <p:sld xmlns:a="http://schemas.openxmlformats.org/drawingml/2006/main" xmlns:r="http://schemas.openxmlformats.org/officeDocument/2006/relationships" xmlns:p="http://schemas.openxmlformats.org/presentationml/2006/main">
   <p:cSld>
     <p:spTree>
       <p:nvGrpSpPr>
-        <p:cNvPr id="1" name="Shape 364"/>
+        <p:cNvPr id="1" name="Shape 379"/>
         <p:cNvGrpSpPr/>
         <p:nvPr/>
       </p:nvGrpSpPr>
@@ -40725,7 +42113,7 @@
       </p:grpSpPr>
       <p:sp>
         <p:nvSpPr>
-          <p:cNvPr id="365" name="Google Shape;365;p42"/>
+          <p:cNvPr id="380" name="Google Shape;380;p43"/>
           <p:cNvSpPr txBox="1"/>
           <p:nvPr/>
         </p:nvSpPr>
@@ -40888,8 +42276,8 @@
         </p:nvSpPr>
         <p:spPr>
           <a:xfrm>
-            <a:off x="111575" y="451483"/>
-            <a:ext cx="4336200" cy="3343200"/>
+            <a:off x="111575" y="451475"/>
+            <a:ext cx="5844900" cy="2604300"/>
           </a:xfrm>
           <a:prstGeom prst="rect">
             <a:avLst/>
@@ -41036,24 +42424,7 @@
                 <a:cs typeface="Calibri"/>
                 <a:sym typeface="Calibri"/>
               </a:rPr>
-              <a:t>Price: 1/4 of Gemini3 Pro, 1/3 of GPT 5.2, 1/6 of Claude Sonnet 4.5</a:t>
-            </a:r>
-            <a:br>
-              <a:rPr lang="en" sz="1200">
-                <a:latin typeface="Calibri"/>
-                <a:ea typeface="Calibri"/>
-                <a:cs typeface="Calibri"/>
-                <a:sym typeface="Calibri"/>
-              </a:rPr>
-            </a:br>
-            <a:r>
-              <a:rPr lang="en" sz="1200">
-                <a:latin typeface="Calibri"/>
-                <a:ea typeface="Calibri"/>
-                <a:cs typeface="Calibri"/>
-                <a:sym typeface="Calibri"/>
-              </a:rPr>
-              <a:t>(0.5  $ per Mln)</a:t>
+              <a:t>Price: $0.50 / $3.00   per 1 Mln in/out tokens. This is 1/4 of Gemini 3 Pro, 1/3 of GPT 5.2, 1/6 of Claude Sonnet 4.5</a:t>
             </a:r>
             <a:endParaRPr sz="1200">
               <a:latin typeface="Calibri"/>
@@ -41240,8 +42611,8 @@
         </p:blipFill>
         <p:spPr>
           <a:xfrm>
-            <a:off x="4572000" y="1027700"/>
-            <a:ext cx="4415524" cy="1698275"/>
+            <a:off x="6100825" y="912325"/>
+            <a:ext cx="2915299" cy="1121275"/>
           </a:xfrm>
           <a:prstGeom prst="rect">
             <a:avLst/>

--- a/2025/2025-12-19-AI-Updates.pptx
+++ b/2025/2025-12-19-AI-Updates.pptx
@@ -3183,7 +3183,7 @@
   <p:cSld>
     <p:spTree>
       <p:nvGrpSpPr>
-        <p:cNvPr id="1" name="Shape 356"/>
+        <p:cNvPr id="1" name="Shape 358"/>
         <p:cNvGrpSpPr/>
         <p:nvPr/>
       </p:nvGrpSpPr>
@@ -3197,7 +3197,7 @@
       </p:grpSpPr>
       <p:sp>
         <p:nvSpPr>
-          <p:cNvPr id="357" name="Google Shape;357;p23:notes"/>
+          <p:cNvPr id="359" name="Google Shape;359;p23:notes"/>
           <p:cNvSpPr>
             <a:spLocks noGrp="1" noRot="1" noChangeAspect="1"/>
           </p:cNvSpPr>
@@ -3248,7 +3248,7 @@
       </p:sp>
       <p:sp>
         <p:nvSpPr>
-          <p:cNvPr id="358" name="Google Shape;358;p23:notes"/>
+          <p:cNvPr id="360" name="Google Shape;360;p23:notes"/>
           <p:cNvSpPr txBox="1">
             <a:spLocks noGrp="1"/>
           </p:cNvSpPr>
@@ -3305,7 +3305,7 @@
   <p:cSld>
     <p:spTree>
       <p:nvGrpSpPr>
-        <p:cNvPr id="1" name="Shape 366"/>
+        <p:cNvPr id="1" name="Shape 368"/>
         <p:cNvGrpSpPr/>
         <p:nvPr/>
       </p:nvGrpSpPr>
@@ -3319,7 +3319,7 @@
       </p:grpSpPr>
       <p:sp>
         <p:nvSpPr>
-          <p:cNvPr id="367" name="Google Shape;367;p24:notes"/>
+          <p:cNvPr id="369" name="Google Shape;369;p24:notes"/>
           <p:cNvSpPr>
             <a:spLocks noGrp="1" noRot="1" noChangeAspect="1"/>
           </p:cNvSpPr>
@@ -3370,7 +3370,7 @@
       </p:sp>
       <p:sp>
         <p:nvSpPr>
-          <p:cNvPr id="368" name="Google Shape;368;p24:notes"/>
+          <p:cNvPr id="370" name="Google Shape;370;p24:notes"/>
           <p:cNvSpPr txBox="1">
             <a:spLocks noGrp="1"/>
           </p:cNvSpPr>
@@ -3427,7 +3427,7 @@
   <p:cSld>
     <p:spTree>
       <p:nvGrpSpPr>
-        <p:cNvPr id="1" name="Shape 376"/>
+        <p:cNvPr id="1" name="Shape 378"/>
         <p:cNvGrpSpPr/>
         <p:nvPr/>
       </p:nvGrpSpPr>
@@ -3441,7 +3441,7 @@
       </p:grpSpPr>
       <p:sp>
         <p:nvSpPr>
-          <p:cNvPr id="377" name="Google Shape;377;p25:notes"/>
+          <p:cNvPr id="379" name="Google Shape;379;p25:notes"/>
           <p:cNvSpPr>
             <a:spLocks noGrp="1" noRot="1" noChangeAspect="1"/>
           </p:cNvSpPr>
@@ -3492,7 +3492,7 @@
       </p:sp>
       <p:sp>
         <p:nvSpPr>
-          <p:cNvPr id="378" name="Google Shape;378;p25:notes"/>
+          <p:cNvPr id="380" name="Google Shape;380;p25:notes"/>
           <p:cNvSpPr txBox="1">
             <a:spLocks noGrp="1"/>
           </p:cNvSpPr>
@@ -13795,7 +13795,7 @@
         </p:nvSpPr>
         <p:spPr>
           <a:xfrm>
-            <a:off x="78651" y="521001"/>
+            <a:off x="78651" y="762906"/>
             <a:ext cx="4420200" cy="1988700"/>
           </a:xfrm>
           <a:prstGeom prst="rect">
@@ -14149,7 +14149,7 @@
         </p:nvSpPr>
         <p:spPr>
           <a:xfrm>
-            <a:off x="0" y="11"/>
+            <a:off x="0" y="100644"/>
             <a:ext cx="4420200" cy="480300"/>
           </a:xfrm>
           <a:prstGeom prst="rect">
@@ -14251,7 +14251,7 @@
         </p:nvSpPr>
         <p:spPr>
           <a:xfrm>
-            <a:off x="4599886" y="4041190"/>
+            <a:off x="4599886" y="3847667"/>
             <a:ext cx="4502400" cy="1003500"/>
           </a:xfrm>
           <a:prstGeom prst="rect">
@@ -14457,8 +14457,8 @@
         </p:nvSpPr>
         <p:spPr>
           <a:xfrm>
-            <a:off x="78651" y="2633252"/>
-            <a:ext cx="4420200" cy="2235000"/>
+            <a:off x="78651" y="2875157"/>
+            <a:ext cx="4420200" cy="1988700"/>
           </a:xfrm>
           <a:prstGeom prst="rect">
             <a:avLst/>
@@ -14801,46 +14801,6 @@
               <a:sym typeface="Calibri"/>
             </a:endParaRPr>
           </a:p>
-          <a:p>
-            <a:pPr marL="228600" marR="0" lvl="0" indent="-215900" algn="l" rtl="0">
-              <a:lnSpc>
-                <a:spcPct val="100000"/>
-              </a:lnSpc>
-              <a:spcBef>
-                <a:spcPts val="0"/>
-              </a:spcBef>
-              <a:spcAft>
-                <a:spcPts val="0"/>
-              </a:spcAft>
-              <a:buClr>
-                <a:srgbClr val="3C78D8"/>
-              </a:buClr>
-              <a:buSzPts val="1600"/>
-              <a:buFont typeface="Calibri"/>
-              <a:buChar char="●"/>
-            </a:pPr>
-            <a:r>
-              <a:rPr lang="en" sz="1600" b="1">
-                <a:solidFill>
-                  <a:srgbClr val="3C78D8"/>
-                </a:solidFill>
-                <a:latin typeface="Calibri"/>
-                <a:ea typeface="Calibri"/>
-                <a:cs typeface="Calibri"/>
-                <a:sym typeface="Calibri"/>
-              </a:rPr>
-              <a:t>Demis Hassabis about AI in 2026</a:t>
-            </a:r>
-            <a:endParaRPr sz="1600" b="1">
-              <a:solidFill>
-                <a:srgbClr val="3C78D8"/>
-              </a:solidFill>
-              <a:latin typeface="Calibri"/>
-              <a:ea typeface="Calibri"/>
-              <a:cs typeface="Calibri"/>
-              <a:sym typeface="Calibri"/>
-            </a:endParaRPr>
-          </a:p>
         </p:txBody>
       </p:sp>
       <p:sp>
@@ -14852,7 +14812,7 @@
         <p:spPr>
           <a:xfrm>
             <a:off x="4599886" y="1086116"/>
-            <a:ext cx="4502400" cy="2235000"/>
+            <a:ext cx="4502400" cy="2481300"/>
           </a:xfrm>
           <a:prstGeom prst="rect">
             <a:avLst/>
@@ -14875,6 +14835,46 @@
             <a:spAutoFit/>
           </a:bodyPr>
           <a:lstStyle/>
+          <a:p>
+            <a:pPr marL="228600" marR="0" lvl="0" indent="-215900" algn="l" rtl="0">
+              <a:lnSpc>
+                <a:spcPct val="100000"/>
+              </a:lnSpc>
+              <a:spcBef>
+                <a:spcPts val="0"/>
+              </a:spcBef>
+              <a:spcAft>
+                <a:spcPts val="0"/>
+              </a:spcAft>
+              <a:buClr>
+                <a:srgbClr val="3C78D8"/>
+              </a:buClr>
+              <a:buSzPts val="1600"/>
+              <a:buFont typeface="Calibri"/>
+              <a:buChar char="●"/>
+            </a:pPr>
+            <a:r>
+              <a:rPr lang="en" sz="1600" b="1">
+                <a:solidFill>
+                  <a:srgbClr val="3C78D8"/>
+                </a:solidFill>
+                <a:latin typeface="Calibri"/>
+                <a:ea typeface="Calibri"/>
+                <a:cs typeface="Calibri"/>
+                <a:sym typeface="Calibri"/>
+              </a:rPr>
+              <a:t>Demis Hassabis about AI in 2026</a:t>
+            </a:r>
+            <a:endParaRPr sz="1600" b="1">
+              <a:solidFill>
+                <a:srgbClr val="3C78D8"/>
+              </a:solidFill>
+              <a:latin typeface="Calibri"/>
+              <a:ea typeface="Calibri"/>
+              <a:cs typeface="Calibri"/>
+              <a:sym typeface="Calibri"/>
+            </a:endParaRPr>
+          </a:p>
           <a:p>
             <a:pPr marL="228600" marR="0" lvl="0" indent="-215900" algn="l" rtl="0">
               <a:lnSpc>
@@ -23675,7 +23675,7 @@
                 <a:cs typeface="Calibri"/>
                 <a:sym typeface="Calibri"/>
               </a:rPr>
-              <a:t>Data for December 16</a:t>
+              <a:t>Data for December 17</a:t>
             </a:r>
             <a:endParaRPr sz="1000">
               <a:solidFill>
@@ -26988,7 +26988,7 @@
             <a:tbl>
               <a:tblPr>
                 <a:noFill/>
-                <a:tableStyleId>{60EB8DAD-0D6C-425B-A878-7202ED89955A}</a:tableStyleId>
+                <a:tableStyleId>{2B6FE222-F14F-4E4A-A1E6-A3D11F85572F}</a:tableStyleId>
               </a:tblPr>
               <a:tblGrid>
                 <a:gridCol w="1847850">
@@ -31456,7 +31456,7 @@
             <a:tbl>
               <a:tblPr>
                 <a:noFill/>
-                <a:tableStyleId>{60EB8DAD-0D6C-425B-A878-7202ED89955A}</a:tableStyleId>
+                <a:tableStyleId>{2B6FE222-F14F-4E4A-A1E6-A3D11F85572F}</a:tableStyleId>
               </a:tblPr>
               <a:tblGrid>
                 <a:gridCol w="1847850">
@@ -40113,7 +40113,7 @@
         </p:nvSpPr>
         <p:spPr>
           <a:xfrm>
-            <a:off x="111575" y="1614050"/>
+            <a:off x="111575" y="1412132"/>
             <a:ext cx="4409100" cy="757200"/>
           </a:xfrm>
           <a:prstGeom prst="rect">
@@ -40225,7 +40225,7 @@
         </p:blipFill>
         <p:spPr>
           <a:xfrm>
-            <a:off x="4940007" y="392100"/>
+            <a:off x="4622707" y="392100"/>
             <a:ext cx="3095143" cy="942000"/>
           </a:xfrm>
           <a:prstGeom prst="rect">
@@ -40264,7 +40264,7 @@
         </p:blipFill>
         <p:spPr>
           <a:xfrm>
-            <a:off x="4940000" y="1614050"/>
+            <a:off x="4622700" y="1412132"/>
             <a:ext cx="2487970" cy="757200"/>
           </a:xfrm>
           <a:prstGeom prst="rect">
@@ -40290,7 +40290,7 @@
         </p:nvSpPr>
         <p:spPr>
           <a:xfrm>
-            <a:off x="111575" y="2651200"/>
+            <a:off x="111575" y="2232941"/>
             <a:ext cx="4409100" cy="1680900"/>
           </a:xfrm>
           <a:prstGeom prst="rect">
@@ -40315,6 +40315,38 @@
           </a:bodyPr>
           <a:lstStyle/>
           <a:p>
+            <a:pPr marL="0" marR="0" lvl="0" indent="0" algn="l" rtl="0">
+              <a:lnSpc>
+                <a:spcPct val="100000"/>
+              </a:lnSpc>
+              <a:spcBef>
+                <a:spcPts val="0"/>
+              </a:spcBef>
+              <a:spcAft>
+                <a:spcPts val="0"/>
+              </a:spcAft>
+              <a:buNone/>
+            </a:pPr>
+            <a:r>
+              <a:rPr lang="en" sz="1200" b="1">
+                <a:solidFill>
+                  <a:srgbClr val="FF0000"/>
+                </a:solidFill>
+                <a:latin typeface="Calibri"/>
+                <a:ea typeface="Calibri"/>
+                <a:cs typeface="Calibri"/>
+                <a:sym typeface="Calibri"/>
+              </a:rPr>
+              <a:t>Five tech breakthroughs in next 18 months</a:t>
+            </a:r>
+            <a:endParaRPr sz="1200">
+              <a:latin typeface="Calibri"/>
+              <a:ea typeface="Calibri"/>
+              <a:cs typeface="Calibri"/>
+              <a:sym typeface="Calibri"/>
+            </a:endParaRPr>
+          </a:p>
+          <a:p>
             <a:pPr marL="171450" marR="0" lvl="0" indent="-133350" algn="l" rtl="0">
               <a:lnSpc>
                 <a:spcPct val="100000"/>
@@ -40325,28 +40357,174 @@
               <a:spcAft>
                 <a:spcPts val="0"/>
               </a:spcAft>
+              <a:buSzPts val="1200"/>
+              <a:buFont typeface="Calibri"/>
+              <a:buAutoNum type="arabicPeriod"/>
+            </a:pPr>
+            <a:r>
+              <a:rPr lang="en" sz="1200" b="1">
+                <a:solidFill>
+                  <a:srgbClr val="3C78D8"/>
+                </a:solidFill>
+                <a:latin typeface="Calibri"/>
+                <a:ea typeface="Calibri"/>
+                <a:cs typeface="Calibri"/>
+                <a:sym typeface="Calibri"/>
+              </a:rPr>
+              <a:t>Diffusion</a:t>
+            </a:r>
+            <a:r>
+              <a:rPr lang="en" sz="1200">
+                <a:latin typeface="Calibri"/>
+                <a:ea typeface="Calibri"/>
+                <a:cs typeface="Calibri"/>
+                <a:sym typeface="Calibri"/>
+              </a:rPr>
+              <a:t> LMs</a:t>
+            </a:r>
+            <a:endParaRPr sz="1200">
+              <a:latin typeface="Calibri"/>
+              <a:ea typeface="Calibri"/>
+              <a:cs typeface="Calibri"/>
+              <a:sym typeface="Calibri"/>
+            </a:endParaRPr>
+          </a:p>
+          <a:p>
+            <a:pPr marL="171450" marR="0" lvl="0" indent="-133350" algn="l" rtl="0">
+              <a:lnSpc>
+                <a:spcPct val="100000"/>
+              </a:lnSpc>
+              <a:spcBef>
+                <a:spcPts val="0"/>
+              </a:spcBef>
+              <a:spcAft>
+                <a:spcPts val="0"/>
+              </a:spcAft>
+              <a:buSzPts val="1200"/>
+              <a:buFont typeface="Calibri"/>
+              <a:buAutoNum type="arabicPeriod"/>
+            </a:pPr>
+            <a:r>
+              <a:rPr lang="en" sz="1200" b="1">
+                <a:solidFill>
+                  <a:srgbClr val="3C78D8"/>
+                </a:solidFill>
+                <a:latin typeface="Calibri"/>
+                <a:ea typeface="Calibri"/>
+                <a:cs typeface="Calibri"/>
+                <a:sym typeface="Calibri"/>
+              </a:rPr>
+              <a:t>"sub-quadratic" attention</a:t>
+            </a:r>
+            <a:r>
+              <a:rPr lang="en" sz="1200">
+                <a:latin typeface="Calibri"/>
+                <a:ea typeface="Calibri"/>
+                <a:cs typeface="Calibri"/>
+                <a:sym typeface="Calibri"/>
+              </a:rPr>
+              <a:t> - Google’s Titans </a:t>
+            </a:r>
+            <a:br>
+              <a:rPr lang="en" sz="1200">
+                <a:latin typeface="Calibri"/>
+                <a:ea typeface="Calibri"/>
+                <a:cs typeface="Calibri"/>
+                <a:sym typeface="Calibri"/>
+              </a:rPr>
+            </a:br>
+            <a:r>
+              <a:rPr lang="en" sz="1200">
+                <a:latin typeface="Calibri"/>
+                <a:ea typeface="Calibri"/>
+                <a:cs typeface="Calibri"/>
+                <a:sym typeface="Calibri"/>
+              </a:rPr>
+              <a:t>and Manifest AI’s Power Attention</a:t>
+            </a:r>
+            <a:endParaRPr sz="1200">
+              <a:latin typeface="Calibri"/>
+              <a:ea typeface="Calibri"/>
+              <a:cs typeface="Calibri"/>
+              <a:sym typeface="Calibri"/>
+            </a:endParaRPr>
+          </a:p>
+          <a:p>
+            <a:pPr marL="171450" marR="0" lvl="0" indent="-133350" algn="l" rtl="0">
+              <a:lnSpc>
+                <a:spcPct val="100000"/>
+              </a:lnSpc>
+              <a:spcBef>
+                <a:spcPts val="0"/>
+              </a:spcBef>
+              <a:spcAft>
+                <a:spcPts val="0"/>
+              </a:spcAft>
+              <a:buSzPts val="1200"/>
+              <a:buFont typeface="Calibri"/>
+              <a:buAutoNum type="arabicPeriod"/>
+            </a:pPr>
+            <a:r>
+              <a:rPr lang="en" sz="1200" b="1">
+                <a:solidFill>
+                  <a:srgbClr val="3C78D8"/>
+                </a:solidFill>
+                <a:latin typeface="Calibri"/>
+                <a:ea typeface="Calibri"/>
+                <a:cs typeface="Calibri"/>
+                <a:sym typeface="Calibri"/>
+              </a:rPr>
+              <a:t>Latent-space thinking</a:t>
+            </a:r>
+            <a:r>
+              <a:rPr lang="en" sz="1200">
+                <a:latin typeface="Calibri"/>
+                <a:ea typeface="Calibri"/>
+                <a:cs typeface="Calibri"/>
+                <a:sym typeface="Calibri"/>
+              </a:rPr>
+              <a:t> instead of thinking in words</a:t>
+            </a:r>
+            <a:endParaRPr sz="1200">
+              <a:latin typeface="Calibri"/>
+              <a:ea typeface="Calibri"/>
+              <a:cs typeface="Calibri"/>
+              <a:sym typeface="Calibri"/>
+            </a:endParaRPr>
+          </a:p>
+          <a:p>
+            <a:pPr marL="171450" marR="0" lvl="0" indent="-133350" algn="l" rtl="0">
+              <a:lnSpc>
+                <a:spcPct val="100000"/>
+              </a:lnSpc>
+              <a:spcBef>
+                <a:spcPts val="0"/>
+              </a:spcBef>
+              <a:spcAft>
+                <a:spcPts val="0"/>
+              </a:spcAft>
               <a:buClr>
-                <a:srgbClr val="FF0000"/>
+                <a:srgbClr val="3C78D8"/>
               </a:buClr>
               <a:buSzPts val="1200"/>
               <a:buFont typeface="Calibri"/>
-              <a:buChar char="●"/>
+              <a:buAutoNum type="arabicPeriod"/>
             </a:pPr>
             <a:r>
               <a:rPr lang="en" sz="1200" b="1">
                 <a:solidFill>
-                  <a:srgbClr val="FF0000"/>
-                </a:solidFill>
-                <a:latin typeface="Calibri"/>
-                <a:ea typeface="Calibri"/>
-                <a:cs typeface="Calibri"/>
-                <a:sym typeface="Calibri"/>
-              </a:rPr>
-              <a:t>Five tech breakthroughs in next 18 months</a:t>
+                  <a:srgbClr val="3C78D8"/>
+                </a:solidFill>
+                <a:latin typeface="Calibri"/>
+                <a:ea typeface="Calibri"/>
+                <a:cs typeface="Calibri"/>
+                <a:sym typeface="Calibri"/>
+              </a:rPr>
+              <a:t>Continual learning</a:t>
             </a:r>
             <a:endParaRPr sz="1200" b="1">
               <a:solidFill>
-                <a:srgbClr val="FF0000"/>
+                <a:srgbClr val="3C78D8"/>
               </a:solidFill>
               <a:latin typeface="Calibri"/>
               <a:ea typeface="Calibri"/>
@@ -40367,7 +40545,7 @@
               </a:spcAft>
               <a:buSzPts val="1200"/>
               <a:buFont typeface="Calibri"/>
-              <a:buChar char="●"/>
+              <a:buAutoNum type="arabicPeriod"/>
             </a:pPr>
             <a:r>
               <a:rPr lang="en" sz="1200">
@@ -40376,7 +40554,28 @@
                 <a:cs typeface="Calibri"/>
                 <a:sym typeface="Calibri"/>
               </a:rPr>
-              <a:t>(1) Diffusion LMs</a:t>
+              <a:t>Possible </a:t>
+            </a:r>
+            <a:r>
+              <a:rPr lang="en" sz="1200" b="1">
+                <a:solidFill>
+                  <a:srgbClr val="3C78D8"/>
+                </a:solidFill>
+                <a:latin typeface="Calibri"/>
+                <a:ea typeface="Calibri"/>
+                <a:cs typeface="Calibri"/>
+                <a:sym typeface="Calibri"/>
+              </a:rPr>
+              <a:t>replacement for transformers</a:t>
+            </a:r>
+            <a:r>
+              <a:rPr lang="en" sz="1200">
+                <a:latin typeface="Calibri"/>
+                <a:ea typeface="Calibri"/>
+                <a:cs typeface="Calibri"/>
+                <a:sym typeface="Calibri"/>
+              </a:rPr>
+              <a:t>: the continuous thought machine (CTM)</a:t>
             </a:r>
             <a:endParaRPr sz="1200">
               <a:latin typeface="Calibri"/>
@@ -40398,131 +40597,7 @@
               </a:spcAft>
               <a:buSzPts val="1200"/>
               <a:buFont typeface="Calibri"/>
-              <a:buChar char="●"/>
-            </a:pPr>
-            <a:r>
-              <a:rPr lang="en" sz="1200">
-                <a:latin typeface="Calibri"/>
-                <a:ea typeface="Calibri"/>
-                <a:cs typeface="Calibri"/>
-                <a:sym typeface="Calibri"/>
-              </a:rPr>
-              <a:t>(2) “sub-quadratic” attention - Google’s Titans and Manifest AI’s Power Attention</a:t>
-            </a:r>
-            <a:endParaRPr sz="1200">
-              <a:latin typeface="Calibri"/>
-              <a:ea typeface="Calibri"/>
-              <a:cs typeface="Calibri"/>
-              <a:sym typeface="Calibri"/>
-            </a:endParaRPr>
-          </a:p>
-          <a:p>
-            <a:pPr marL="171450" marR="0" lvl="0" indent="-133350" algn="l" rtl="0">
-              <a:lnSpc>
-                <a:spcPct val="100000"/>
-              </a:lnSpc>
-              <a:spcBef>
-                <a:spcPts val="0"/>
-              </a:spcBef>
-              <a:spcAft>
-                <a:spcPts val="0"/>
-              </a:spcAft>
-              <a:buSzPts val="1200"/>
-              <a:buFont typeface="Calibri"/>
-              <a:buChar char="●"/>
-            </a:pPr>
-            <a:r>
-              <a:rPr lang="en" sz="1200">
-                <a:latin typeface="Calibri"/>
-                <a:ea typeface="Calibri"/>
-                <a:cs typeface="Calibri"/>
-                <a:sym typeface="Calibri"/>
-              </a:rPr>
-              <a:t>(3) Latent-space thinking instead of thinking in words</a:t>
-            </a:r>
-            <a:endParaRPr sz="1200">
-              <a:latin typeface="Calibri"/>
-              <a:ea typeface="Calibri"/>
-              <a:cs typeface="Calibri"/>
-              <a:sym typeface="Calibri"/>
-            </a:endParaRPr>
-          </a:p>
-          <a:p>
-            <a:pPr marL="171450" marR="0" lvl="0" indent="-133350" algn="l" rtl="0">
-              <a:lnSpc>
-                <a:spcPct val="100000"/>
-              </a:lnSpc>
-              <a:spcBef>
-                <a:spcPts val="0"/>
-              </a:spcBef>
-              <a:spcAft>
-                <a:spcPts val="0"/>
-              </a:spcAft>
-              <a:buSzPts val="1200"/>
-              <a:buFont typeface="Calibri"/>
-              <a:buChar char="●"/>
-            </a:pPr>
-            <a:r>
-              <a:rPr lang="en" sz="1200">
-                <a:latin typeface="Calibri"/>
-                <a:ea typeface="Calibri"/>
-                <a:cs typeface="Calibri"/>
-                <a:sym typeface="Calibri"/>
-              </a:rPr>
-              <a:t>(4) Continual learning</a:t>
-            </a:r>
-            <a:endParaRPr sz="1200">
-              <a:latin typeface="Calibri"/>
-              <a:ea typeface="Calibri"/>
-              <a:cs typeface="Calibri"/>
-              <a:sym typeface="Calibri"/>
-            </a:endParaRPr>
-          </a:p>
-          <a:p>
-            <a:pPr marL="171450" marR="0" lvl="0" indent="-133350" algn="l" rtl="0">
-              <a:lnSpc>
-                <a:spcPct val="100000"/>
-              </a:lnSpc>
-              <a:spcBef>
-                <a:spcPts val="0"/>
-              </a:spcBef>
-              <a:spcAft>
-                <a:spcPts val="0"/>
-              </a:spcAft>
-              <a:buSzPts val="1200"/>
-              <a:buFont typeface="Calibri"/>
-              <a:buChar char="●"/>
-            </a:pPr>
-            <a:r>
-              <a:rPr lang="en" sz="1200">
-                <a:latin typeface="Calibri"/>
-                <a:ea typeface="Calibri"/>
-                <a:cs typeface="Calibri"/>
-                <a:sym typeface="Calibri"/>
-              </a:rPr>
-              <a:t>(5) Possible replacement for transformers: the continuous thought machine (CTM)</a:t>
-            </a:r>
-            <a:endParaRPr sz="1200">
-              <a:latin typeface="Calibri"/>
-              <a:ea typeface="Calibri"/>
-              <a:cs typeface="Calibri"/>
-              <a:sym typeface="Calibri"/>
-            </a:endParaRPr>
-          </a:p>
-          <a:p>
-            <a:pPr marL="171450" marR="0" lvl="0" indent="-133350" algn="l" rtl="0">
-              <a:lnSpc>
-                <a:spcPct val="100000"/>
-              </a:lnSpc>
-              <a:spcBef>
-                <a:spcPts val="0"/>
-              </a:spcBef>
-              <a:spcAft>
-                <a:spcPts val="0"/>
-              </a:spcAft>
-              <a:buSzPts val="1200"/>
-              <a:buFont typeface="Calibri"/>
-              <a:buChar char="●"/>
+              <a:buAutoNum type="arabicPeriod"/>
             </a:pPr>
             <a:r>
               <a:rPr lang="en" sz="1200" u="sng">
@@ -40563,8 +40638,8 @@
         </p:nvSpPr>
         <p:spPr>
           <a:xfrm>
-            <a:off x="4940000" y="2651200"/>
-            <a:ext cx="3641400" cy="2031900"/>
+            <a:off x="4622738" y="2247354"/>
+            <a:ext cx="2487900" cy="1108200"/>
           </a:xfrm>
           <a:prstGeom prst="rect">
             <a:avLst/>
@@ -40601,7 +40676,7 @@
               <a:buNone/>
             </a:pPr>
             <a:r>
-              <a:rPr lang="en" sz="3200" b="1">
+              <a:rPr lang="en" sz="1800" b="1">
                 <a:solidFill>
                   <a:srgbClr val="6AA84F"/>
                 </a:solidFill>
@@ -40612,7 +40687,7 @@
               </a:rPr>
               <a:t>Five Breakthroughs </a:t>
             </a:r>
-            <a:endParaRPr sz="3200" b="1">
+            <a:endParaRPr sz="1800" b="1">
               <a:solidFill>
                 <a:srgbClr val="6AA84F"/>
               </a:solidFill>
@@ -40636,7 +40711,7 @@
               <a:buNone/>
             </a:pPr>
             <a:r>
-              <a:rPr lang="en" sz="3200" b="1">
+              <a:rPr lang="en" sz="1800" b="1">
                 <a:solidFill>
                   <a:srgbClr val="6AA84F"/>
                 </a:solidFill>
@@ -40647,7 +40722,7 @@
               </a:rPr>
               <a:t>in next 18 months</a:t>
             </a:r>
-            <a:endParaRPr sz="3200" b="1">
+            <a:endParaRPr sz="1800" b="1">
               <a:solidFill>
                 <a:srgbClr val="6AA84F"/>
               </a:solidFill>
@@ -40659,6 +40734,352 @@
           </a:p>
         </p:txBody>
       </p:sp>
+      <p:sp>
+        <p:nvSpPr>
+          <p:cNvPr id="356" name="Google Shape;356;p40"/>
+          <p:cNvSpPr txBox="1"/>
+          <p:nvPr/>
+        </p:nvSpPr>
+        <p:spPr>
+          <a:xfrm>
+            <a:off x="4795351" y="3567225"/>
+            <a:ext cx="2629200" cy="1249800"/>
+          </a:xfrm>
+          <a:prstGeom prst="rect">
+            <a:avLst/>
+          </a:prstGeom>
+          <a:solidFill>
+            <a:srgbClr val="FFF2CC"/>
+          </a:solidFill>
+          <a:ln w="9525" cap="flat" cmpd="sng">
+            <a:solidFill>
+              <a:srgbClr val="FF0000"/>
+            </a:solidFill>
+            <a:prstDash val="solid"/>
+            <a:round/>
+            <a:headEnd type="none" w="sm" len="sm"/>
+            <a:tailEnd type="none" w="sm" len="sm"/>
+          </a:ln>
+        </p:spPr>
+        <p:txBody>
+          <a:bodyPr spcFirstLastPara="1" wrap="square" lIns="9125" tIns="9125" rIns="9125" bIns="9125" anchor="t" anchorCtr="0">
+            <a:spAutoFit/>
+          </a:bodyPr>
+          <a:lstStyle/>
+          <a:p>
+            <a:pPr marL="0" marR="0" lvl="0" indent="0" algn="l" rtl="0">
+              <a:lnSpc>
+                <a:spcPct val="100000"/>
+              </a:lnSpc>
+              <a:spcBef>
+                <a:spcPts val="0"/>
+              </a:spcBef>
+              <a:spcAft>
+                <a:spcPts val="0"/>
+              </a:spcAft>
+              <a:buNone/>
+            </a:pPr>
+            <a:r>
+              <a:rPr lang="en" sz="1000" b="1">
+                <a:solidFill>
+                  <a:srgbClr val="FF0000"/>
+                </a:solidFill>
+                <a:latin typeface="Roboto Mono"/>
+                <a:ea typeface="Roboto Mono"/>
+                <a:cs typeface="Roboto Mono"/>
+                <a:sym typeface="Roboto Mono"/>
+              </a:rPr>
+              <a:t>Nvidia RTX Blackwell GPUs:</a:t>
+            </a:r>
+            <a:endParaRPr sz="1000" b="1">
+              <a:solidFill>
+                <a:srgbClr val="FF0000"/>
+              </a:solidFill>
+              <a:latin typeface="Roboto Mono"/>
+              <a:ea typeface="Roboto Mono"/>
+              <a:cs typeface="Roboto Mono"/>
+              <a:sym typeface="Roboto Mono"/>
+            </a:endParaRPr>
+          </a:p>
+          <a:p>
+            <a:pPr marL="0" marR="0" lvl="0" indent="0" algn="l" rtl="0">
+              <a:lnSpc>
+                <a:spcPct val="100000"/>
+              </a:lnSpc>
+              <a:spcBef>
+                <a:spcPts val="0"/>
+              </a:spcBef>
+              <a:spcAft>
+                <a:spcPts val="0"/>
+              </a:spcAft>
+              <a:buNone/>
+            </a:pPr>
+            <a:r>
+              <a:rPr lang="en" sz="1000" b="1">
+                <a:solidFill>
+                  <a:srgbClr val="4A86E8"/>
+                </a:solidFill>
+                <a:latin typeface="Roboto Mono"/>
+                <a:ea typeface="Roboto Mono"/>
+                <a:cs typeface="Roboto Mono"/>
+                <a:sym typeface="Roboto Mono"/>
+              </a:rPr>
+              <a:t>​RTX PRO 6000  – 96 GB – $8,000 </a:t>
+            </a:r>
+            <a:endParaRPr sz="1000" b="1">
+              <a:solidFill>
+                <a:srgbClr val="4A86E8"/>
+              </a:solidFill>
+              <a:latin typeface="Roboto Mono"/>
+              <a:ea typeface="Roboto Mono"/>
+              <a:cs typeface="Roboto Mono"/>
+              <a:sym typeface="Roboto Mono"/>
+            </a:endParaRPr>
+          </a:p>
+          <a:p>
+            <a:pPr marL="0" marR="0" lvl="0" indent="0" algn="l" rtl="0">
+              <a:lnSpc>
+                <a:spcPct val="100000"/>
+              </a:lnSpc>
+              <a:spcBef>
+                <a:spcPts val="0"/>
+              </a:spcBef>
+              <a:spcAft>
+                <a:spcPts val="0"/>
+              </a:spcAft>
+              <a:buNone/>
+            </a:pPr>
+            <a:r>
+              <a:rPr lang="en" sz="1000" b="1">
+                <a:solidFill>
+                  <a:srgbClr val="4A86E8"/>
+                </a:solidFill>
+                <a:latin typeface="Roboto Mono"/>
+                <a:ea typeface="Roboto Mono"/>
+                <a:cs typeface="Roboto Mono"/>
+                <a:sym typeface="Roboto Mono"/>
+              </a:rPr>
+              <a:t>RTX PRO 5000  – 72 GB - $6,500</a:t>
+            </a:r>
+            <a:endParaRPr sz="1000" b="1">
+              <a:solidFill>
+                <a:srgbClr val="4A86E8"/>
+              </a:solidFill>
+              <a:latin typeface="Roboto Mono"/>
+              <a:ea typeface="Roboto Mono"/>
+              <a:cs typeface="Roboto Mono"/>
+              <a:sym typeface="Roboto Mono"/>
+            </a:endParaRPr>
+          </a:p>
+          <a:p>
+            <a:pPr marL="0" marR="0" lvl="0" indent="0" algn="l" rtl="0">
+              <a:lnSpc>
+                <a:spcPct val="100000"/>
+              </a:lnSpc>
+              <a:spcBef>
+                <a:spcPts val="0"/>
+              </a:spcBef>
+              <a:spcAft>
+                <a:spcPts val="0"/>
+              </a:spcAft>
+              <a:buNone/>
+            </a:pPr>
+            <a:r>
+              <a:rPr lang="en" sz="1000" b="1">
+                <a:solidFill>
+                  <a:srgbClr val="4A86E8"/>
+                </a:solidFill>
+                <a:latin typeface="Roboto Mono"/>
+                <a:ea typeface="Roboto Mono"/>
+                <a:cs typeface="Roboto Mono"/>
+                <a:sym typeface="Roboto Mono"/>
+              </a:rPr>
+              <a:t>RTX PRO 5000  – 48 GB - $4,400</a:t>
+            </a:r>
+            <a:endParaRPr sz="1000" b="1">
+              <a:solidFill>
+                <a:srgbClr val="4A86E8"/>
+              </a:solidFill>
+              <a:latin typeface="Roboto Mono"/>
+              <a:ea typeface="Roboto Mono"/>
+              <a:cs typeface="Roboto Mono"/>
+              <a:sym typeface="Roboto Mono"/>
+            </a:endParaRPr>
+          </a:p>
+          <a:p>
+            <a:pPr marL="0" marR="0" lvl="0" indent="0" algn="l" rtl="0">
+              <a:lnSpc>
+                <a:spcPct val="100000"/>
+              </a:lnSpc>
+              <a:spcBef>
+                <a:spcPts val="0"/>
+              </a:spcBef>
+              <a:spcAft>
+                <a:spcPts val="0"/>
+              </a:spcAft>
+              <a:buNone/>
+            </a:pPr>
+            <a:r>
+              <a:rPr lang="en" sz="1000" b="1">
+                <a:solidFill>
+                  <a:srgbClr val="4A86E8"/>
+                </a:solidFill>
+                <a:latin typeface="Roboto Mono"/>
+                <a:ea typeface="Roboto Mono"/>
+                <a:cs typeface="Roboto Mono"/>
+                <a:sym typeface="Roboto Mono"/>
+              </a:rPr>
+              <a:t>RTX 5090      – 32 GB – $2,000</a:t>
+            </a:r>
+            <a:endParaRPr sz="1000" b="1">
+              <a:solidFill>
+                <a:srgbClr val="4A86E8"/>
+              </a:solidFill>
+              <a:latin typeface="Roboto Mono"/>
+              <a:ea typeface="Roboto Mono"/>
+              <a:cs typeface="Roboto Mono"/>
+              <a:sym typeface="Roboto Mono"/>
+            </a:endParaRPr>
+          </a:p>
+          <a:p>
+            <a:pPr marL="0" marR="0" lvl="0" indent="0" algn="l" rtl="0">
+              <a:lnSpc>
+                <a:spcPct val="100000"/>
+              </a:lnSpc>
+              <a:spcBef>
+                <a:spcPts val="0"/>
+              </a:spcBef>
+              <a:spcAft>
+                <a:spcPts val="0"/>
+              </a:spcAft>
+              <a:buNone/>
+            </a:pPr>
+            <a:r>
+              <a:rPr lang="en" sz="1000" b="1">
+                <a:solidFill>
+                  <a:srgbClr val="4A86E8"/>
+                </a:solidFill>
+                <a:latin typeface="Roboto Mono"/>
+                <a:ea typeface="Roboto Mono"/>
+                <a:cs typeface="Roboto Mono"/>
+                <a:sym typeface="Roboto Mono"/>
+              </a:rPr>
+              <a:t>RTX 5080      – 16 GB – $1,000</a:t>
+            </a:r>
+            <a:endParaRPr sz="1000" b="1">
+              <a:solidFill>
+                <a:srgbClr val="4A86E8"/>
+              </a:solidFill>
+              <a:latin typeface="Roboto Mono"/>
+              <a:ea typeface="Roboto Mono"/>
+              <a:cs typeface="Roboto Mono"/>
+              <a:sym typeface="Roboto Mono"/>
+            </a:endParaRPr>
+          </a:p>
+          <a:p>
+            <a:pPr marL="0" lvl="0" indent="0" algn="l" rtl="0">
+              <a:spcBef>
+                <a:spcPts val="0"/>
+              </a:spcBef>
+              <a:spcAft>
+                <a:spcPts val="0"/>
+              </a:spcAft>
+              <a:buClr>
+                <a:schemeClr val="dk1"/>
+              </a:buClr>
+              <a:buSzPts val="1100"/>
+              <a:buFont typeface="Arial"/>
+              <a:buNone/>
+            </a:pPr>
+            <a:r>
+              <a:rPr lang="en" sz="1000" b="1">
+                <a:solidFill>
+                  <a:srgbClr val="4A86E8"/>
+                </a:solidFill>
+                <a:latin typeface="Roboto Mono"/>
+                <a:ea typeface="Roboto Mono"/>
+                <a:cs typeface="Roboto Mono"/>
+                <a:sym typeface="Roboto Mono"/>
+              </a:rPr>
+              <a:t>RTX 5070      – 12 GB –   $550</a:t>
+            </a:r>
+            <a:endParaRPr sz="1000" b="1">
+              <a:solidFill>
+                <a:srgbClr val="4A86E8"/>
+              </a:solidFill>
+              <a:latin typeface="Roboto Mono"/>
+              <a:ea typeface="Roboto Mono"/>
+              <a:cs typeface="Roboto Mono"/>
+              <a:sym typeface="Roboto Mono"/>
+            </a:endParaRPr>
+          </a:p>
+          <a:p>
+            <a:pPr marL="0" lvl="0" indent="0" algn="l" rtl="0">
+              <a:spcBef>
+                <a:spcPts val="0"/>
+              </a:spcBef>
+              <a:spcAft>
+                <a:spcPts val="0"/>
+              </a:spcAft>
+              <a:buNone/>
+            </a:pPr>
+            <a:r>
+              <a:rPr lang="en" sz="1000" b="1">
+                <a:solidFill>
+                  <a:srgbClr val="4A86E8"/>
+                </a:solidFill>
+                <a:latin typeface="Roboto Mono"/>
+                <a:ea typeface="Roboto Mono"/>
+                <a:cs typeface="Roboto Mono"/>
+                <a:sym typeface="Roboto Mono"/>
+              </a:rPr>
+              <a:t>RTX 5060      –  8 GB –   $300</a:t>
+            </a:r>
+            <a:endParaRPr sz="1000" b="1">
+              <a:solidFill>
+                <a:srgbClr val="4A86E8"/>
+              </a:solidFill>
+              <a:latin typeface="Roboto Mono"/>
+              <a:ea typeface="Roboto Mono"/>
+              <a:cs typeface="Roboto Mono"/>
+              <a:sym typeface="Roboto Mono"/>
+            </a:endParaRPr>
+          </a:p>
+        </p:txBody>
+      </p:sp>
+      <p:pic>
+        <p:nvPicPr>
+          <p:cNvPr id="357" name="Google Shape;357;p40"/>
+          <p:cNvPicPr preferRelativeResize="0"/>
+          <p:nvPr/>
+        </p:nvPicPr>
+        <p:blipFill>
+          <a:blip r:embed="rId6" cstate="email">
+            <a:alphaModFix/>
+            <a:extLst>
+              <a:ext uri="{28A0092B-C50C-407E-A947-70E740481C1C}">
+                <a14:useLocalDpi xmlns:a14="http://schemas.microsoft.com/office/drawing/2010/main"/>
+              </a:ext>
+            </a:extLst>
+          </a:blip>
+          <a:stretch>
+            <a:fillRect/>
+          </a:stretch>
+        </p:blipFill>
+        <p:spPr>
+          <a:xfrm>
+            <a:off x="7586800" y="3600971"/>
+            <a:ext cx="1119366" cy="1182326"/>
+          </a:xfrm>
+          <a:prstGeom prst="rect">
+            <a:avLst/>
+          </a:prstGeom>
+          <a:noFill/>
+          <a:ln>
+            <a:noFill/>
+          </a:ln>
+        </p:spPr>
+      </p:pic>
     </p:spTree>
   </p:cSld>
   <p:clrMapOvr>
@@ -40672,7 +41093,7 @@
   <p:cSld>
     <p:spTree>
       <p:nvGrpSpPr>
-        <p:cNvPr id="1" name="Shape 359"/>
+        <p:cNvPr id="1" name="Shape 361"/>
         <p:cNvGrpSpPr/>
         <p:nvPr/>
       </p:nvGrpSpPr>
@@ -40686,7 +41107,7 @@
       </p:grpSpPr>
       <p:sp>
         <p:nvSpPr>
-          <p:cNvPr id="360" name="Google Shape;360;p41"/>
+          <p:cNvPr id="362" name="Google Shape;362;p41"/>
           <p:cNvSpPr txBox="1"/>
           <p:nvPr/>
         </p:nvSpPr>
@@ -40752,7 +41173,7 @@
       </p:sp>
       <p:sp>
         <p:nvSpPr>
-          <p:cNvPr id="361" name="Google Shape;361;p41"/>
+          <p:cNvPr id="363" name="Google Shape;363;p41"/>
           <p:cNvSpPr txBox="1"/>
           <p:nvPr/>
         </p:nvSpPr>
@@ -40880,7 +41301,7 @@
       </p:sp>
       <p:sp>
         <p:nvSpPr>
-          <p:cNvPr id="362" name="Google Shape;362;p41"/>
+          <p:cNvPr id="364" name="Google Shape;364;p41"/>
           <p:cNvSpPr txBox="1"/>
           <p:nvPr/>
         </p:nvSpPr>
@@ -41107,7 +41528,7 @@
       </p:sp>
       <p:sp>
         <p:nvSpPr>
-          <p:cNvPr id="363" name="Google Shape;363;p41"/>
+          <p:cNvPr id="365" name="Google Shape;365;p41"/>
           <p:cNvSpPr txBox="1"/>
           <p:nvPr/>
         </p:nvSpPr>
@@ -41280,7 +41701,7 @@
       </p:sp>
       <p:pic>
         <p:nvPicPr>
-          <p:cNvPr id="364" name="Google Shape;364;p41"/>
+          <p:cNvPr id="366" name="Google Shape;366;p41"/>
           <p:cNvPicPr preferRelativeResize="0"/>
           <p:nvPr/>
         </p:nvPicPr>
@@ -41319,7 +41740,7 @@
       </p:pic>
       <p:pic>
         <p:nvPicPr>
-          <p:cNvPr id="365" name="Google Shape;365;p41"/>
+          <p:cNvPr id="367" name="Google Shape;367;p41"/>
           <p:cNvPicPr preferRelativeResize="0"/>
           <p:nvPr/>
         </p:nvPicPr>
@@ -41369,7 +41790,7 @@
   <p:cSld>
     <p:spTree>
       <p:nvGrpSpPr>
-        <p:cNvPr id="1" name="Shape 369"/>
+        <p:cNvPr id="1" name="Shape 371"/>
         <p:cNvGrpSpPr/>
         <p:nvPr/>
       </p:nvGrpSpPr>
@@ -41383,7 +41804,7 @@
       </p:grpSpPr>
       <p:pic>
         <p:nvPicPr>
-          <p:cNvPr id="370" name="Google Shape;370;p42"/>
+          <p:cNvPr id="372" name="Google Shape;372;p42"/>
           <p:cNvPicPr preferRelativeResize="0"/>
           <p:nvPr/>
         </p:nvPicPr>
@@ -41415,7 +41836,7 @@
       </p:pic>
       <p:sp>
         <p:nvSpPr>
-          <p:cNvPr id="371" name="Google Shape;371;p42"/>
+          <p:cNvPr id="373" name="Google Shape;373;p42"/>
           <p:cNvSpPr txBox="1"/>
           <p:nvPr/>
         </p:nvSpPr>
@@ -41481,7 +41902,7 @@
       </p:sp>
       <p:sp>
         <p:nvSpPr>
-          <p:cNvPr id="372" name="Google Shape;372;p42"/>
+          <p:cNvPr id="374" name="Google Shape;374;p42"/>
           <p:cNvSpPr txBox="1"/>
           <p:nvPr/>
         </p:nvSpPr>
@@ -41911,7 +42332,7 @@
       </p:sp>
       <p:pic>
         <p:nvPicPr>
-          <p:cNvPr id="373" name="Google Shape;373;p42"/>
+          <p:cNvPr id="375" name="Google Shape;375;p42"/>
           <p:cNvPicPr preferRelativeResize="0"/>
           <p:nvPr/>
         </p:nvPicPr>
@@ -41943,7 +42364,7 @@
       </p:pic>
       <p:sp>
         <p:nvSpPr>
-          <p:cNvPr id="374" name="Google Shape;374;p42"/>
+          <p:cNvPr id="376" name="Google Shape;376;p42"/>
           <p:cNvSpPr txBox="1"/>
           <p:nvPr/>
         </p:nvSpPr>
@@ -42022,7 +42443,7 @@
       </p:sp>
       <p:sp>
         <p:nvSpPr>
-          <p:cNvPr id="375" name="Google Shape;375;p42"/>
+          <p:cNvPr id="377" name="Google Shape;377;p42"/>
           <p:cNvSpPr txBox="1"/>
           <p:nvPr/>
         </p:nvSpPr>
@@ -42099,7 +42520,7 @@
   <p:cSld>
     <p:spTree>
       <p:nvGrpSpPr>
-        <p:cNvPr id="1" name="Shape 379"/>
+        <p:cNvPr id="1" name="Shape 381"/>
         <p:cNvGrpSpPr/>
         <p:nvPr/>
       </p:nvGrpSpPr>
@@ -42113,7 +42534,7 @@
       </p:grpSpPr>
       <p:sp>
         <p:nvSpPr>
-          <p:cNvPr id="380" name="Google Shape;380;p43"/>
+          <p:cNvPr id="382" name="Google Shape;382;p43"/>
           <p:cNvSpPr txBox="1"/>
           <p:nvPr/>
         </p:nvSpPr>
